--- a/docs/project/The Enigma Simulator Presentation.pptx
+++ b/docs/project/The Enigma Simulator Presentation.pptx
@@ -15643,15 +15643,6 @@
           <a:solidFill>
             <a:srgbClr val="FFFFFF"/>
           </a:solidFill>
-          <a:extLst>
-            <a:ext uri="{909E8E84-426E-40DD-AFC4-6F175D3DCCD1}">
-              <a14:hiddenFill xmlns:a14="http://schemas.microsoft.com/office/drawing/2010/main">
-                <a:solidFill>
-                  <a:srgbClr val="FFFFFF"/>
-                </a:solidFill>
-              </a14:hiddenFill>
-            </a:ext>
-          </a:extLst>
         </p:spPr>
       </p:pic>
       <p:pic>
@@ -15749,15 +15740,6 @@
           <a:solidFill>
             <a:srgbClr val="FFFFFF"/>
           </a:solidFill>
-          <a:extLst>
-            <a:ext uri="{909E8E84-426E-40DD-AFC4-6F175D3DCCD1}">
-              <a14:hiddenFill xmlns:a14="http://schemas.microsoft.com/office/drawing/2010/main">
-                <a:solidFill>
-                  <a:srgbClr val="FFFFFF"/>
-                </a:solidFill>
-              </a14:hiddenFill>
-            </a:ext>
-          </a:extLst>
         </p:spPr>
       </p:pic>
       <p:sp>
@@ -17057,8 +17039,8 @@
           </a:p>
         </p:txBody>
       </p:sp>
-      <mc:AlternateContent xmlns:mc="http://schemas.openxmlformats.org/markup-compatibility/2006">
-        <mc:Choice xmlns:a14="http://schemas.microsoft.com/office/drawing/2010/main" Requires="a14">
+      <mc:AlternateContent xmlns:mc="http://schemas.openxmlformats.org/markup-compatibility/2006" xmlns:a14="http://schemas.microsoft.com/office/drawing/2010/main">
+        <mc:Choice Requires="a14">
           <p:sp>
             <p:nvSpPr>
               <p:cNvPr id="4" name="Content Placeholder 3">
@@ -17159,7 +17141,7 @@
             </p:txBody>
           </p:sp>
         </mc:Choice>
-        <mc:Fallback>
+        <mc:Fallback xmlns="">
           <p:sp>
             <p:nvSpPr>
               <p:cNvPr id="4" name="Content Placeholder 3">
@@ -17272,7 +17254,7 @@
                 <a:pPr lvl="1"/>
                 <a:r>
                   <a:rPr lang="en-GB" dirty="0"/>
-                  <a:t>If A → B then B → A</a:t>
+                  <a:t>If A → B, then B → A</a:t>
                 </a:r>
               </a:p>
               <a:p>
@@ -17386,7 +17368,7 @@
               <a:blipFill>
                 <a:blip r:embed="rId4"/>
                 <a:stretch>
-                  <a:fillRect l="-1647" t="-2152" r="-1529"/>
+                  <a:fillRect l="-1711" t="-2405" r="-1467"/>
                 </a:stretch>
               </a:blipFill>
             </p:spPr>
@@ -17395,7 +17377,7 @@
               <a:lstStyle/>
               <a:p>
                 <a:r>
-                  <a:rPr lang="en-GB">
+                  <a:rPr lang="en-US">
                     <a:noFill/>
                   </a:rPr>
                   <a:t> </a:t>
@@ -18642,6 +18624,15 @@
 </file>
 
 <file path=customXml/item1.xml><?xml version="1.0" encoding="utf-8"?>
+<p:properties xmlns:p="http://schemas.microsoft.com/office/2006/metadata/properties" xmlns:xsi="http://www.w3.org/2001/XMLSchema-instance" xmlns:pc="http://schemas.microsoft.com/office/infopath/2007/PartnerControls">
+  <documentManagement>
+    <Status xmlns="71af3243-3dd4-4a8d-8c0d-dd76da1f02a5">Not started</Status>
+    <MediaServiceKeyPoints xmlns="71af3243-3dd4-4a8d-8c0d-dd76da1f02a5" xsi:nil="true"/>
+  </documentManagement>
+</p:properties>
+</file>
+
+<file path=customXml/item2.xml><?xml version="1.0" encoding="utf-8"?>
 <ct:contentTypeSchema xmlns:ct="http://schemas.microsoft.com/office/2006/metadata/contentType" xmlns:ma="http://schemas.microsoft.com/office/2006/metadata/properties/metaAttributes" ct:_="" ma:_="" ma:contentTypeName="Document" ma:contentTypeID="0x01010079F111ED35F8CC479449609E8A0923A6" ma:contentTypeVersion="12" ma:contentTypeDescription="Create a new document." ma:contentTypeScope="" ma:versionID="426e97fa315356fffbdcd9876fe988c2">
   <xsd:schema xmlns:xsd="http://www.w3.org/2001/XMLSchema" xmlns:xs="http://www.w3.org/2001/XMLSchema" xmlns:p="http://schemas.microsoft.com/office/2006/metadata/properties" xmlns:ns2="71af3243-3dd4-4a8d-8c0d-dd76da1f02a5" xmlns:ns3="16c05727-aa75-4e4a-9b5f-8a80a1165891" targetNamespace="http://schemas.microsoft.com/office/2006/metadata/properties" ma:root="true" ma:fieldsID="14b8f0def80e6d70ce3def20c90759ae" ns2:_="" ns3:_="">
     <xsd:import namespace="71af3243-3dd4-4a8d-8c0d-dd76da1f02a5"/>
@@ -18862,15 +18853,6 @@
 </ct:contentTypeSchema>
 </file>
 
-<file path=customXml/item2.xml><?xml version="1.0" encoding="utf-8"?>
-<p:properties xmlns:p="http://schemas.microsoft.com/office/2006/metadata/properties" xmlns:xsi="http://www.w3.org/2001/XMLSchema-instance" xmlns:pc="http://schemas.microsoft.com/office/infopath/2007/PartnerControls">
-  <documentManagement>
-    <Status xmlns="71af3243-3dd4-4a8d-8c0d-dd76da1f02a5">Not started</Status>
-    <MediaServiceKeyPoints xmlns="71af3243-3dd4-4a8d-8c0d-dd76da1f02a5" xsi:nil="true"/>
-  </documentManagement>
-</p:properties>
-</file>
-
 <file path=customXml/item3.xml><?xml version="1.0" encoding="utf-8"?>
 <?mso-contentType ?>
 <FormTemplates xmlns="http://schemas.microsoft.com/sharepoint/v3/contenttype/forms">
@@ -18881,6 +18863,16 @@
 </file>
 
 <file path=customXml/itemProps1.xml><?xml version="1.0" encoding="utf-8"?>
+<ds:datastoreItem xmlns:ds="http://schemas.openxmlformats.org/officeDocument/2006/customXml" ds:itemID="{FBDEF148-1770-458F-8F5B-C3D0A278AA97}">
+  <ds:schemaRefs>
+    <ds:schemaRef ds:uri="http://schemas.microsoft.com/office/2006/metadata/properties"/>
+    <ds:schemaRef ds:uri="http://schemas.microsoft.com/office/infopath/2007/PartnerControls"/>
+    <ds:schemaRef ds:uri="71af3243-3dd4-4a8d-8c0d-dd76da1f02a5"/>
+  </ds:schemaRefs>
+</ds:datastoreItem>
+</file>
+
+<file path=customXml/itemProps2.xml><?xml version="1.0" encoding="utf-8"?>
 <ds:datastoreItem xmlns:ds="http://schemas.openxmlformats.org/officeDocument/2006/customXml" ds:itemID="{8413533D-8C39-401E-8B75-B1AEEEC56B93}">
   <ds:schemaRefs>
     <ds:schemaRef ds:uri="http://schemas.microsoft.com/office/2006/metadata/contentType"/>
@@ -18899,16 +18891,6 @@
 </ds:datastoreItem>
 </file>
 
-<file path=customXml/itemProps2.xml><?xml version="1.0" encoding="utf-8"?>
-<ds:datastoreItem xmlns:ds="http://schemas.openxmlformats.org/officeDocument/2006/customXml" ds:itemID="{FBDEF148-1770-458F-8F5B-C3D0A278AA97}">
-  <ds:schemaRefs>
-    <ds:schemaRef ds:uri="http://schemas.microsoft.com/office/2006/metadata/properties"/>
-    <ds:schemaRef ds:uri="http://schemas.microsoft.com/office/infopath/2007/PartnerControls"/>
-    <ds:schemaRef ds:uri="71af3243-3dd4-4a8d-8c0d-dd76da1f02a5"/>
-  </ds:schemaRefs>
-</ds:datastoreItem>
-</file>
-
 <file path=customXml/itemProps3.xml><?xml version="1.0" encoding="utf-8"?>
 <ds:datastoreItem xmlns:ds="http://schemas.openxmlformats.org/officeDocument/2006/customXml" ds:itemID="{1A449C04-64B3-4403-94B7-8D2284C38D1B}">
   <ds:schemaRefs>

--- a/docs/project/The Enigma Simulator Presentation.pptx
+++ b/docs/project/The Enigma Simulator Presentation.pptx
@@ -5,10 +5,10 @@
     <p:sldMasterId id="2147483768" r:id="rId4"/>
   </p:sldMasterIdLst>
   <p:notesMasterIdLst>
-    <p:notesMasterId r:id="rId18"/>
+    <p:notesMasterId r:id="rId14"/>
   </p:notesMasterIdLst>
   <p:handoutMasterIdLst>
-    <p:handoutMasterId r:id="rId19"/>
+    <p:handoutMasterId r:id="rId15"/>
   </p:handoutMasterIdLst>
   <p:sldIdLst>
     <p:sldId id="3825" r:id="rId5"/>
@@ -20,10 +20,6 @@
     <p:sldId id="3838" r:id="rId11"/>
     <p:sldId id="3839" r:id="rId12"/>
     <p:sldId id="3828" r:id="rId13"/>
-    <p:sldId id="3794" r:id="rId14"/>
-    <p:sldId id="3832" r:id="rId15"/>
-    <p:sldId id="3833" r:id="rId16"/>
-    <p:sldId id="3834" r:id="rId17"/>
   </p:sldIdLst>
   <p:sldSz cx="12192000" cy="6858000"/>
   <p:notesSz cx="6858000" cy="9144000"/>
@@ -254,7 +250,7 @@
           <a:p>
             <a:fld id="{45249E17-B59A-4F61-B8D2-5B4F41E1978D}" type="datetime1">
               <a:rPr lang="en-GB" smtClean="0"/>
-              <a:t>09/04/2024</a:t>
+              <a:t>12/04/2024</a:t>
             </a:fld>
             <a:endParaRPr lang="en-GB" dirty="0"/>
           </a:p>
@@ -434,7 +430,7 @@
             <a:fld id="{78BE95BD-28DC-4C06-ABE7-D1DD6658916C}" type="datetime1">
               <a:rPr lang="en-GB" smtClean="0"/>
               <a:pPr/>
-              <a:t>09/04/2024</a:t>
+              <a:t>12/04/2024</a:t>
             </a:fld>
             <a:endParaRPr lang="en-GB" dirty="0"/>
           </a:p>
@@ -751,7 +747,7 @@
           <a:p>
             <a:r>
               <a:rPr lang="en-GB" dirty="0"/>
-              <a:t>Hello, my name is Elliot and this is a video about my project : The Enigma Simulator.</a:t>
+              <a:t>Hello, my name is Elliot and this is the screencast about my project : The Enigma Simulator.</a:t>
             </a:r>
           </a:p>
         </p:txBody>
@@ -784,350 +780,6 @@
     <p:extLst>
       <p:ext uri="{BB962C8B-B14F-4D97-AF65-F5344CB8AC3E}">
         <p14:creationId xmlns:p14="http://schemas.microsoft.com/office/powerpoint/2010/main" val="2028141537"/>
-      </p:ext>
-    </p:extLst>
-  </p:cSld>
-  <p:clrMapOvr>
-    <a:masterClrMapping/>
-  </p:clrMapOvr>
-</p:notes>
-</file>
-
-<file path=ppt/notesSlides/notesSlide10.xml><?xml version="1.0" encoding="utf-8"?>
-<p:notes xmlns:a="http://schemas.openxmlformats.org/drawingml/2006/main" xmlns:r="http://schemas.openxmlformats.org/officeDocument/2006/relationships" xmlns:p="http://schemas.openxmlformats.org/presentationml/2006/main">
-  <p:cSld>
-    <p:spTree>
-      <p:nvGrpSpPr>
-        <p:cNvPr id="1" name=""/>
-        <p:cNvGrpSpPr/>
-        <p:nvPr/>
-      </p:nvGrpSpPr>
-      <p:grpSpPr>
-        <a:xfrm>
-          <a:off x="0" y="0"/>
-          <a:ext cx="0" cy="0"/>
-          <a:chOff x="0" y="0"/>
-          <a:chExt cx="0" cy="0"/>
-        </a:xfrm>
-      </p:grpSpPr>
-      <p:sp>
-        <p:nvSpPr>
-          <p:cNvPr id="2" name="Slide Image Placeholder 1"/>
-          <p:cNvSpPr>
-            <a:spLocks noGrp="1" noRot="1" noChangeAspect="1"/>
-          </p:cNvSpPr>
-          <p:nvPr>
-            <p:ph type="sldImg"/>
-          </p:nvPr>
-        </p:nvSpPr>
-        <p:spPr/>
-      </p:sp>
-      <p:sp>
-        <p:nvSpPr>
-          <p:cNvPr id="3" name="Notes Placeholder 2"/>
-          <p:cNvSpPr>
-            <a:spLocks noGrp="1"/>
-          </p:cNvSpPr>
-          <p:nvPr>
-            <p:ph type="body" idx="1"/>
-          </p:nvPr>
-        </p:nvSpPr>
-        <p:spPr/>
-        <p:txBody>
-          <a:bodyPr rtlCol="0"/>
-          <a:lstStyle/>
-          <a:p>
-            <a:pPr rtl="0"/>
-            <a:endParaRPr lang="en-GB"/>
-          </a:p>
-        </p:txBody>
-      </p:sp>
-      <p:sp>
-        <p:nvSpPr>
-          <p:cNvPr id="4" name="Slide Number Placeholder 3"/>
-          <p:cNvSpPr>
-            <a:spLocks noGrp="1"/>
-          </p:cNvSpPr>
-          <p:nvPr>
-            <p:ph type="sldNum" sz="quarter" idx="5"/>
-          </p:nvPr>
-        </p:nvSpPr>
-        <p:spPr/>
-        <p:txBody>
-          <a:bodyPr rtlCol="0"/>
-          <a:lstStyle/>
-          <a:p>
-            <a:pPr rtl="0"/>
-            <a:fld id="{D40C6A29-4676-420C-BBE3-ACC2B80F64D4}" type="slidenum">
-              <a:rPr lang="en-GB" smtClean="0"/>
-              <a:t>10</a:t>
-            </a:fld>
-            <a:endParaRPr lang="en-GB"/>
-          </a:p>
-        </p:txBody>
-      </p:sp>
-    </p:spTree>
-    <p:extLst>
-      <p:ext uri="{BB962C8B-B14F-4D97-AF65-F5344CB8AC3E}">
-        <p14:creationId xmlns:p14="http://schemas.microsoft.com/office/powerpoint/2010/main" val="4209822250"/>
-      </p:ext>
-    </p:extLst>
-  </p:cSld>
-  <p:clrMapOvr>
-    <a:masterClrMapping/>
-  </p:clrMapOvr>
-</p:notes>
-</file>
-
-<file path=ppt/notesSlides/notesSlide11.xml><?xml version="1.0" encoding="utf-8"?>
-<p:notes xmlns:a="http://schemas.openxmlformats.org/drawingml/2006/main" xmlns:r="http://schemas.openxmlformats.org/officeDocument/2006/relationships" xmlns:p="http://schemas.openxmlformats.org/presentationml/2006/main">
-  <p:cSld>
-    <p:spTree>
-      <p:nvGrpSpPr>
-        <p:cNvPr id="1" name=""/>
-        <p:cNvGrpSpPr/>
-        <p:nvPr/>
-      </p:nvGrpSpPr>
-      <p:grpSpPr>
-        <a:xfrm>
-          <a:off x="0" y="0"/>
-          <a:ext cx="0" cy="0"/>
-          <a:chOff x="0" y="0"/>
-          <a:chExt cx="0" cy="0"/>
-        </a:xfrm>
-      </p:grpSpPr>
-      <p:sp>
-        <p:nvSpPr>
-          <p:cNvPr id="2" name="Slide Image Placeholder 1"/>
-          <p:cNvSpPr>
-            <a:spLocks noGrp="1" noRot="1" noChangeAspect="1"/>
-          </p:cNvSpPr>
-          <p:nvPr>
-            <p:ph type="sldImg"/>
-          </p:nvPr>
-        </p:nvSpPr>
-        <p:spPr/>
-      </p:sp>
-      <p:sp>
-        <p:nvSpPr>
-          <p:cNvPr id="3" name="Notes Placeholder 2"/>
-          <p:cNvSpPr>
-            <a:spLocks noGrp="1"/>
-          </p:cNvSpPr>
-          <p:nvPr>
-            <p:ph type="body" idx="1"/>
-          </p:nvPr>
-        </p:nvSpPr>
-        <p:spPr/>
-        <p:txBody>
-          <a:bodyPr rtlCol="0"/>
-          <a:lstStyle/>
-          <a:p>
-            <a:pPr rtl="0"/>
-            <a:endParaRPr lang="en-GB"/>
-          </a:p>
-        </p:txBody>
-      </p:sp>
-      <p:sp>
-        <p:nvSpPr>
-          <p:cNvPr id="4" name="Slide Number Placeholder 3"/>
-          <p:cNvSpPr>
-            <a:spLocks noGrp="1"/>
-          </p:cNvSpPr>
-          <p:nvPr>
-            <p:ph type="sldNum" sz="quarter" idx="5"/>
-          </p:nvPr>
-        </p:nvSpPr>
-        <p:spPr/>
-        <p:txBody>
-          <a:bodyPr rtlCol="0"/>
-          <a:lstStyle/>
-          <a:p>
-            <a:pPr rtl="0"/>
-            <a:fld id="{D40C6A29-4676-420C-BBE3-ACC2B80F64D4}" type="slidenum">
-              <a:rPr lang="en-GB" smtClean="0"/>
-              <a:t>11</a:t>
-            </a:fld>
-            <a:endParaRPr lang="en-GB"/>
-          </a:p>
-        </p:txBody>
-      </p:sp>
-    </p:spTree>
-    <p:extLst>
-      <p:ext uri="{BB962C8B-B14F-4D97-AF65-F5344CB8AC3E}">
-        <p14:creationId xmlns:p14="http://schemas.microsoft.com/office/powerpoint/2010/main" val="562526001"/>
-      </p:ext>
-    </p:extLst>
-  </p:cSld>
-  <p:clrMapOvr>
-    <a:masterClrMapping/>
-  </p:clrMapOvr>
-</p:notes>
-</file>
-
-<file path=ppt/notesSlides/notesSlide12.xml><?xml version="1.0" encoding="utf-8"?>
-<p:notes xmlns:a="http://schemas.openxmlformats.org/drawingml/2006/main" xmlns:r="http://schemas.openxmlformats.org/officeDocument/2006/relationships" xmlns:p="http://schemas.openxmlformats.org/presentationml/2006/main">
-  <p:cSld>
-    <p:spTree>
-      <p:nvGrpSpPr>
-        <p:cNvPr id="1" name=""/>
-        <p:cNvGrpSpPr/>
-        <p:nvPr/>
-      </p:nvGrpSpPr>
-      <p:grpSpPr>
-        <a:xfrm>
-          <a:off x="0" y="0"/>
-          <a:ext cx="0" cy="0"/>
-          <a:chOff x="0" y="0"/>
-          <a:chExt cx="0" cy="0"/>
-        </a:xfrm>
-      </p:grpSpPr>
-      <p:sp>
-        <p:nvSpPr>
-          <p:cNvPr id="2" name="Slide Image Placeholder 1"/>
-          <p:cNvSpPr>
-            <a:spLocks noGrp="1" noRot="1" noChangeAspect="1"/>
-          </p:cNvSpPr>
-          <p:nvPr>
-            <p:ph type="sldImg"/>
-          </p:nvPr>
-        </p:nvSpPr>
-        <p:spPr/>
-      </p:sp>
-      <p:sp>
-        <p:nvSpPr>
-          <p:cNvPr id="3" name="Notes Placeholder 2"/>
-          <p:cNvSpPr>
-            <a:spLocks noGrp="1"/>
-          </p:cNvSpPr>
-          <p:nvPr>
-            <p:ph type="body" idx="1"/>
-          </p:nvPr>
-        </p:nvSpPr>
-        <p:spPr/>
-        <p:txBody>
-          <a:bodyPr rtlCol="0"/>
-          <a:lstStyle/>
-          <a:p>
-            <a:pPr rtl="0"/>
-            <a:endParaRPr lang="en-GB" noProof="0" dirty="0"/>
-          </a:p>
-        </p:txBody>
-      </p:sp>
-      <p:sp>
-        <p:nvSpPr>
-          <p:cNvPr id="4" name="Slide Number Placeholder 3"/>
-          <p:cNvSpPr>
-            <a:spLocks noGrp="1"/>
-          </p:cNvSpPr>
-          <p:nvPr>
-            <p:ph type="sldNum" sz="quarter" idx="5"/>
-          </p:nvPr>
-        </p:nvSpPr>
-        <p:spPr/>
-        <p:txBody>
-          <a:bodyPr rtlCol="0"/>
-          <a:lstStyle/>
-          <a:p>
-            <a:pPr rtl="0"/>
-            <a:fld id="{D40C6A29-4676-420C-BBE3-ACC2B80F64D4}" type="slidenum">
-              <a:rPr lang="en-US" smtClean="0"/>
-              <a:t>12</a:t>
-            </a:fld>
-            <a:endParaRPr lang="en-US" dirty="0"/>
-          </a:p>
-        </p:txBody>
-      </p:sp>
-    </p:spTree>
-    <p:extLst>
-      <p:ext uri="{BB962C8B-B14F-4D97-AF65-F5344CB8AC3E}">
-        <p14:creationId xmlns:p14="http://schemas.microsoft.com/office/powerpoint/2010/main" val="3134415287"/>
-      </p:ext>
-    </p:extLst>
-  </p:cSld>
-  <p:clrMapOvr>
-    <a:masterClrMapping/>
-  </p:clrMapOvr>
-</p:notes>
-</file>
-
-<file path=ppt/notesSlides/notesSlide13.xml><?xml version="1.0" encoding="utf-8"?>
-<p:notes xmlns:a="http://schemas.openxmlformats.org/drawingml/2006/main" xmlns:r="http://schemas.openxmlformats.org/officeDocument/2006/relationships" xmlns:p="http://schemas.openxmlformats.org/presentationml/2006/main">
-  <p:cSld>
-    <p:spTree>
-      <p:nvGrpSpPr>
-        <p:cNvPr id="1" name=""/>
-        <p:cNvGrpSpPr/>
-        <p:nvPr/>
-      </p:nvGrpSpPr>
-      <p:grpSpPr>
-        <a:xfrm>
-          <a:off x="0" y="0"/>
-          <a:ext cx="0" cy="0"/>
-          <a:chOff x="0" y="0"/>
-          <a:chExt cx="0" cy="0"/>
-        </a:xfrm>
-      </p:grpSpPr>
-      <p:sp>
-        <p:nvSpPr>
-          <p:cNvPr id="2" name="Slide Image Placeholder 1"/>
-          <p:cNvSpPr>
-            <a:spLocks noGrp="1" noRot="1" noChangeAspect="1"/>
-          </p:cNvSpPr>
-          <p:nvPr>
-            <p:ph type="sldImg"/>
-          </p:nvPr>
-        </p:nvSpPr>
-        <p:spPr/>
-      </p:sp>
-      <p:sp>
-        <p:nvSpPr>
-          <p:cNvPr id="3" name="Notes Placeholder 2"/>
-          <p:cNvSpPr>
-            <a:spLocks noGrp="1"/>
-          </p:cNvSpPr>
-          <p:nvPr>
-            <p:ph type="body" idx="1"/>
-          </p:nvPr>
-        </p:nvSpPr>
-        <p:spPr/>
-        <p:txBody>
-          <a:bodyPr rtlCol="0"/>
-          <a:lstStyle/>
-          <a:p>
-            <a:pPr rtl="0"/>
-            <a:endParaRPr lang="en-GB" noProof="0" dirty="0"/>
-          </a:p>
-        </p:txBody>
-      </p:sp>
-      <p:sp>
-        <p:nvSpPr>
-          <p:cNvPr id="4" name="Slide Number Placeholder 3"/>
-          <p:cNvSpPr>
-            <a:spLocks noGrp="1"/>
-          </p:cNvSpPr>
-          <p:nvPr>
-            <p:ph type="sldNum" sz="quarter" idx="5"/>
-          </p:nvPr>
-        </p:nvSpPr>
-        <p:spPr/>
-        <p:txBody>
-          <a:bodyPr rtlCol="0"/>
-          <a:lstStyle/>
-          <a:p>
-            <a:pPr rtl="0"/>
-            <a:fld id="{D40C6A29-4676-420C-BBE3-ACC2B80F64D4}" type="slidenum">
-              <a:rPr lang="en-US" smtClean="0"/>
-              <a:t>13</a:t>
-            </a:fld>
-            <a:endParaRPr lang="en-US" dirty="0"/>
-          </a:p>
-        </p:txBody>
-      </p:sp>
-    </p:spTree>
-    <p:extLst>
-      <p:ext uri="{BB962C8B-B14F-4D97-AF65-F5344CB8AC3E}">
-        <p14:creationId xmlns:p14="http://schemas.microsoft.com/office/powerpoint/2010/main" val="1670162108"/>
       </p:ext>
     </p:extLst>
   </p:cSld>
@@ -1183,7 +835,7 @@
           <a:p>
             <a:r>
               <a:rPr lang="en-GB" dirty="0"/>
-              <a:t>In this video, I will cover the motivation and context surrounding this project – provide its aims – as well as provide a demonstration of the project through roleplay</a:t>
+              <a:t>In this video, I will cover the motivation and context surrounding this project – provide the aims of project – as well as provide a demonstration of the project through roleplay</a:t>
             </a:r>
           </a:p>
         </p:txBody>
@@ -1280,7 +932,7 @@
           <a:p>
             <a:r>
               <a:rPr lang="en-GB" dirty="0"/>
-              <a:t>Cryptography has been used for data protection and secret communications throughout history. Dating all the way back to 1800 BCE!</a:t>
+              <a:t>Cryptography is the art of creating and breaking secret codes and has been used for data protection and secret communications throughout history. Dating all the way back to 1800 BCE!</a:t>
             </a:r>
           </a:p>
         </p:txBody>
@@ -1369,7 +1021,7 @@
             <a:pPr rtl="0"/>
             <a:r>
               <a:rPr lang="en-GB" dirty="0"/>
-              <a:t>The Enigma machine is a huge part of the of history, for both computer science and cryptography, and uses mechanical rotors and electrical signals to encrypt and decrypt messages</a:t>
+              <a:t>The Enigma machine is one of the most famous cypher machines in the world, making use of mechanical rotors and electrical signals to encrypt and decrypt messages</a:t>
             </a:r>
           </a:p>
           <a:p>
@@ -1377,10 +1029,33 @@
             <a:endParaRPr lang="en-GB" dirty="0"/>
           </a:p>
           <a:p>
+            <a:pPr marL="0" marR="0" lvl="0" indent="0" algn="l" defTabSz="914400" rtl="0" eaLnBrk="1" fontAlgn="auto" latinLnBrk="0" hangingPunct="1">
+              <a:lnSpc>
+                <a:spcPct val="100000"/>
+              </a:lnSpc>
+              <a:spcBef>
+                <a:spcPts val="0"/>
+              </a:spcBef>
+              <a:spcAft>
+                <a:spcPts val="0"/>
+              </a:spcAft>
+              <a:buClrTx/>
+              <a:buSzTx/>
+              <a:buFontTx/>
+              <a:buNone/>
+              <a:tabLst/>
+              <a:defRPr/>
+            </a:pPr>
+            <a:r>
+              <a:rPr lang="en-GB" dirty="0"/>
+              <a:t>The Enigma machine was a huge part of cryptography, history and computer science.</a:t>
+            </a:r>
+          </a:p>
+          <a:p>
             <a:pPr rtl="0"/>
             <a:r>
               <a:rPr lang="en-GB" dirty="0"/>
-              <a:t>It was used extensively by the Germans in WW2 and is most well-known for the eventual breaking of Enigma by the team at Bletchley Park. Hi Alan!</a:t>
+              <a:t>It was used extensively by the Germans in WW2 and is most well-known for the eventual breaking of Enigma by Alan Turing and the team at Bletchley Park. Which helped turn the tides of the war for the Allies.</a:t>
             </a:r>
           </a:p>
         </p:txBody>
@@ -1468,7 +1143,7 @@
           <a:p>
             <a:r>
               <a:rPr lang="en-GB" dirty="0"/>
-              <a:t>Despite the fame surrounding this machine, the mechanism of Enigma still remain a mystery/enigma to most.</a:t>
+              <a:t>Whilst most have heard of the machine either through history, cryptography, or even filmography! The mechanism and workings of the machine still remain a mystery/enigma to most people</a:t>
             </a:r>
           </a:p>
         </p:txBody>
@@ -1556,7 +1231,7 @@
           <a:p>
             <a:r>
               <a:rPr lang="en-GB" dirty="0"/>
-              <a:t>So how does Enigma work? Well, it uses a combination of mechanics and electrical signals to create a cypher than changes each letter!</a:t>
+              <a:t>So how does Enigma work? Well, it uses a combination of mechanics and electrical signals to create a cypher than changes for each letter in a message!</a:t>
             </a:r>
           </a:p>
           <a:p>
@@ -1789,11 +1464,8 @@
           <a:p>
             <a:r>
               <a:rPr lang="en-GB" dirty="0"/>
-              <a:t>So what is the goal of this project? Well, it is clear that Enigma is an important part of history and this project aims to demonstrate and inspire others to learn about it.</a:t>
-            </a:r>
-          </a:p>
-          <a:p>
-            <a:endParaRPr lang="en-GB" dirty="0"/>
+              <a:t>So what is the goal of this project? Well, it is clear that Enigma an important and complicated machine, and this project aims to help other inspired individuals learn more about it!</a:t>
+            </a:r>
           </a:p>
           <a:p>
             <a:pPr marL="171450" indent="-171450">
@@ -1832,14 +1504,17 @@
             </a:pPr>
             <a:r>
               <a:rPr lang="en-GB" dirty="0"/>
-              <a:t>A much more interactive and educational GUI, allowing interactions with both Enigma and EnigmaPlus</a:t>
+              <a:t>A much more interactive and educational GUI based on the MVC Architecture, allowing interactions with both Enigma and EnigmaPlus</a:t>
             </a:r>
           </a:p>
           <a:p>
             <a:r>
               <a:rPr lang="en-GB" dirty="0"/>
-              <a:t>	It also provides a visualisation tool, so you can see how the machine is hiding encrypting your message!</a:t>
-            </a:r>
+              <a:t>	Within this GUI exists a visualisation tool, so you can see how the machine is hiding encrypting your message!</a:t>
+            </a:r>
+          </a:p>
+          <a:p>
+            <a:endParaRPr lang="en-GB" dirty="0"/>
           </a:p>
         </p:txBody>
       </p:sp>
@@ -1928,6 +1603,166 @@
               <a:rPr lang="en-GB" dirty="0"/>
               <a:t>Now you know what the project is about, lets give it a go with some roleplay!</a:t>
             </a:r>
+          </a:p>
+          <a:p>
+            <a:endParaRPr lang="en-GB" dirty="0"/>
+          </a:p>
+          <a:p>
+            <a:r>
+              <a:rPr lang="en-GB" dirty="0"/>
+              <a:t>You have just got the promotion at the Cryptography Ltd. Congratulations! Your first task is to use the state-of-the-art Enigma Simulator to decrypt an incoming message…</a:t>
+            </a:r>
+          </a:p>
+          <a:p>
+            <a:r>
+              <a:rPr lang="en-GB" dirty="0"/>
+              <a:t>Alongside your strange message, you notice a sheet containing various different attributes that seem to match the simulator in front of you.</a:t>
+            </a:r>
+          </a:p>
+          <a:p>
+            <a:endParaRPr lang="en-GB" dirty="0"/>
+          </a:p>
+          <a:p>
+            <a:r>
+              <a:rPr lang="en-GB" dirty="0"/>
+              <a:t>Lets begin with trying to set up our Enigma in the same way suggested on this sheet</a:t>
+            </a:r>
+          </a:p>
+          <a:p>
+            <a:endParaRPr lang="en-GB" dirty="0"/>
+          </a:p>
+          <a:p>
+            <a:r>
+              <a:rPr lang="en-GB" dirty="0"/>
+              <a:t>Firstly, it says the reflector choice is UKW-B so lets use this drop down to select the correct rotor</a:t>
+            </a:r>
+          </a:p>
+          <a:p>
+            <a:r>
+              <a:rPr lang="en-GB" dirty="0"/>
+              <a:t>Next, lets choose the correct rotors. The message says rotor one, two and then three. Lets select these rotors whilst preserving their order as this makes a big difference!</a:t>
+            </a:r>
+          </a:p>
+          <a:p>
+            <a:r>
+              <a:rPr lang="en-GB" dirty="0"/>
+              <a:t>Whilst we’re here, lets set up the rotors to the correct configuration. The message key states ADP, which was shorthand notation for the Rotation of each rotor so lets change that. Next the ring setting for each rotor is stated as 5 11 and 22 so lets change them</a:t>
+            </a:r>
+          </a:p>
+          <a:p>
+            <a:r>
+              <a:rPr lang="en-GB" dirty="0"/>
+              <a:t>The final setting we need to configure is the plugboard, which consists of choosing which pairs of letters will be swapped, in this case we have AB GP and UV </a:t>
+            </a:r>
+          </a:p>
+          <a:p>
+            <a:endParaRPr lang="en-GB" dirty="0"/>
+          </a:p>
+          <a:p>
+            <a:r>
+              <a:rPr lang="en-GB" dirty="0"/>
+              <a:t>Now that our Enigma machine is setup, lets enter our message and see what it says.</a:t>
+            </a:r>
+          </a:p>
+          <a:p>
+            <a:r>
+              <a:rPr lang="en-GB" dirty="0"/>
+              <a:t>Oh look, it says I LOVE CRYPTOGRAPHY!</a:t>
+            </a:r>
+          </a:p>
+          <a:p>
+            <a:endParaRPr lang="en-GB" dirty="0"/>
+          </a:p>
+          <a:p>
+            <a:r>
+              <a:rPr lang="en-GB" dirty="0"/>
+              <a:t>We can also use the app to visualise each step of the encryption and see how these letter mappings are decided. We can also use the step-through mode to the encryption through a simple animation</a:t>
+            </a:r>
+          </a:p>
+          <a:p>
+            <a:endParaRPr lang="en-GB" dirty="0"/>
+          </a:p>
+          <a:p>
+            <a:r>
+              <a:rPr lang="en-GB" dirty="0"/>
+              <a:t>If we wanted to use </a:t>
+            </a:r>
+            <a:r>
+              <a:rPr lang="en-GB" dirty="0" err="1"/>
+              <a:t>EnigmaPlus</a:t>
+            </a:r>
+            <a:r>
+              <a:rPr lang="en-GB" dirty="0"/>
+              <a:t>, the top tab can be selected to change to this model, however this has a different key to Enigma so will not work with our current message.</a:t>
+            </a:r>
+          </a:p>
+          <a:p>
+            <a:endParaRPr lang="en-GB" dirty="0"/>
+          </a:p>
+          <a:p>
+            <a:r>
+              <a:rPr lang="en-GB" dirty="0"/>
+              <a:t>Encryption Message : I LOVE CRYPTOGRAPHY!</a:t>
+            </a:r>
+          </a:p>
+          <a:p>
+            <a:endParaRPr lang="en-GB" dirty="0"/>
+          </a:p>
+          <a:p>
+            <a:pPr marL="0" marR="0" lvl="0" indent="0" algn="l" defTabSz="914400" rtl="0" eaLnBrk="1" fontAlgn="auto" latinLnBrk="0" hangingPunct="1">
+              <a:lnSpc>
+                <a:spcPct val="100000"/>
+              </a:lnSpc>
+              <a:spcBef>
+                <a:spcPts val="0"/>
+              </a:spcBef>
+              <a:spcAft>
+                <a:spcPts val="0"/>
+              </a:spcAft>
+              <a:buClrTx/>
+              <a:buSzTx/>
+              <a:buFontTx/>
+              <a:buNone/>
+              <a:tabLst/>
+              <a:defRPr/>
+            </a:pPr>
+            <a:r>
+              <a:rPr lang="en-GB" dirty="0"/>
+              <a:t>MESSAGE : L AUZK VWCZBBVWEYME!</a:t>
+            </a:r>
+          </a:p>
+          <a:p>
+            <a:r>
+              <a:rPr lang="en-GB" dirty="0"/>
+              <a:t>MESSAGE KEY : ADP</a:t>
+            </a:r>
+          </a:p>
+          <a:p>
+            <a:r>
+              <a:rPr lang="en-GB" dirty="0"/>
+              <a:t>RING : 5 11 22</a:t>
+            </a:r>
+          </a:p>
+          <a:p>
+            <a:r>
+              <a:rPr lang="en-GB" dirty="0"/>
+              <a:t>ROTORS : I II III</a:t>
+            </a:r>
+          </a:p>
+          <a:p>
+            <a:r>
+              <a:rPr lang="en-GB" dirty="0"/>
+              <a:t>REFLECTOR : UKW-B</a:t>
+            </a:r>
+          </a:p>
+          <a:p>
+            <a:r>
+              <a:rPr lang="en-GB" dirty="0"/>
+              <a:t>PLUGBOARD : AB GP UV</a:t>
+            </a:r>
+          </a:p>
+          <a:p>
+            <a:endParaRPr lang="en-GB" dirty="0"/>
           </a:p>
         </p:txBody>
       </p:sp>
@@ -13801,1455 +13636,6 @@
 </p:sld>
 </file>
 
-<file path=ppt/slides/slide10.xml><?xml version="1.0" encoding="utf-8"?>
-<p:sld xmlns:a="http://schemas.openxmlformats.org/drawingml/2006/main" xmlns:r="http://schemas.openxmlformats.org/officeDocument/2006/relationships" xmlns:p="http://schemas.openxmlformats.org/presentationml/2006/main">
-  <p:cSld>
-    <p:spTree>
-      <p:nvGrpSpPr>
-        <p:cNvPr id="1" name=""/>
-        <p:cNvGrpSpPr/>
-        <p:nvPr/>
-      </p:nvGrpSpPr>
-      <p:grpSpPr>
-        <a:xfrm>
-          <a:off x="0" y="0"/>
-          <a:ext cx="0" cy="0"/>
-          <a:chOff x="0" y="0"/>
-          <a:chExt cx="0" cy="0"/>
-        </a:xfrm>
-      </p:grpSpPr>
-      <p:sp>
-        <p:nvSpPr>
-          <p:cNvPr id="2" name="Title 1">
-            <a:extLst>
-              <a:ext uri="{FF2B5EF4-FFF2-40B4-BE49-F238E27FC236}">
-                <a16:creationId xmlns:a16="http://schemas.microsoft.com/office/drawing/2014/main" id="{1D46624E-1256-4074-A302-8EFDA23D77BF}"/>
-              </a:ext>
-            </a:extLst>
-          </p:cNvPr>
-          <p:cNvSpPr>
-            <a:spLocks noGrp="1"/>
-          </p:cNvSpPr>
-          <p:nvPr>
-            <p:ph type="title"/>
-          </p:nvPr>
-        </p:nvSpPr>
-        <p:spPr/>
-        <p:txBody>
-          <a:bodyPr rtlCol="0"/>
-          <a:lstStyle/>
-          <a:p>
-            <a:pPr rtl="0"/>
-            <a:r>
-              <a:rPr lang="en-GB"/>
-              <a:t>Content</a:t>
-            </a:r>
-          </a:p>
-        </p:txBody>
-      </p:sp>
-      <p:sp>
-        <p:nvSpPr>
-          <p:cNvPr id="3" name="Text Placeholder 2">
-            <a:extLst>
-              <a:ext uri="{FF2B5EF4-FFF2-40B4-BE49-F238E27FC236}">
-                <a16:creationId xmlns:a16="http://schemas.microsoft.com/office/drawing/2014/main" id="{33E8A40A-0195-4B3A-81F2-8B76B68F974F}"/>
-              </a:ext>
-            </a:extLst>
-          </p:cNvPr>
-          <p:cNvSpPr>
-            <a:spLocks noGrp="1"/>
-          </p:cNvSpPr>
-          <p:nvPr>
-            <p:ph type="body" idx="1"/>
-          </p:nvPr>
-        </p:nvSpPr>
-        <p:spPr/>
-        <p:txBody>
-          <a:bodyPr rtlCol="0"/>
-          <a:lstStyle/>
-          <a:p>
-            <a:pPr rtl="0"/>
-            <a:r>
-              <a:rPr lang="en-GB"/>
-              <a:t>Subtitle</a:t>
-            </a:r>
-          </a:p>
-        </p:txBody>
-      </p:sp>
-      <p:sp>
-        <p:nvSpPr>
-          <p:cNvPr id="4" name="Content Placeholder 3">
-            <a:extLst>
-              <a:ext uri="{FF2B5EF4-FFF2-40B4-BE49-F238E27FC236}">
-                <a16:creationId xmlns:a16="http://schemas.microsoft.com/office/drawing/2014/main" id="{A84DACD0-2773-4975-A2FE-3BD5764E1F61}"/>
-              </a:ext>
-            </a:extLst>
-          </p:cNvPr>
-          <p:cNvSpPr>
-            <a:spLocks noGrp="1"/>
-          </p:cNvSpPr>
-          <p:nvPr>
-            <p:ph sz="half" idx="2"/>
-          </p:nvPr>
-        </p:nvSpPr>
-        <p:spPr/>
-        <p:txBody>
-          <a:bodyPr rtlCol="0"/>
-          <a:lstStyle/>
-          <a:p>
-            <a:pPr rtl="0"/>
-            <a:r>
-              <a:rPr lang="en-GB"/>
-              <a:t>Add text, images, art, and videos. </a:t>
-            </a:r>
-          </a:p>
-          <a:p>
-            <a:pPr rtl="0"/>
-            <a:r>
-              <a:rPr lang="en-GB"/>
-              <a:t>Add transitions, animations, and motion. </a:t>
-            </a:r>
-          </a:p>
-          <a:p>
-            <a:pPr rtl="0"/>
-            <a:r>
-              <a:rPr lang="en-GB"/>
-              <a:t>Save to OneDrive, to get to your presentations from your computer, tablet, or phone. </a:t>
-            </a:r>
-          </a:p>
-        </p:txBody>
-      </p:sp>
-      <p:sp>
-        <p:nvSpPr>
-          <p:cNvPr id="5" name="Text Placeholder 4">
-            <a:extLst>
-              <a:ext uri="{FF2B5EF4-FFF2-40B4-BE49-F238E27FC236}">
-                <a16:creationId xmlns:a16="http://schemas.microsoft.com/office/drawing/2014/main" id="{8FCFD254-68A8-4D88-9653-D6F0238D59BD}"/>
-              </a:ext>
-            </a:extLst>
-          </p:cNvPr>
-          <p:cNvSpPr>
-            <a:spLocks noGrp="1"/>
-          </p:cNvSpPr>
-          <p:nvPr>
-            <p:ph type="body" sz="quarter" idx="3"/>
-          </p:nvPr>
-        </p:nvSpPr>
-        <p:spPr/>
-        <p:txBody>
-          <a:bodyPr rtlCol="0"/>
-          <a:lstStyle/>
-          <a:p>
-            <a:pPr rtl="0"/>
-            <a:r>
-              <a:rPr lang="en-GB"/>
-              <a:t>Subtitle</a:t>
-            </a:r>
-          </a:p>
-        </p:txBody>
-      </p:sp>
-      <p:sp>
-        <p:nvSpPr>
-          <p:cNvPr id="6" name="Content Placeholder 5">
-            <a:extLst>
-              <a:ext uri="{FF2B5EF4-FFF2-40B4-BE49-F238E27FC236}">
-                <a16:creationId xmlns:a16="http://schemas.microsoft.com/office/drawing/2014/main" id="{3905CD03-9B40-4AA4-B6AB-5B38436AB901}"/>
-              </a:ext>
-            </a:extLst>
-          </p:cNvPr>
-          <p:cNvSpPr>
-            <a:spLocks noGrp="1"/>
-          </p:cNvSpPr>
-          <p:nvPr>
-            <p:ph sz="quarter" idx="4"/>
-          </p:nvPr>
-        </p:nvSpPr>
-        <p:spPr/>
-        <p:txBody>
-          <a:bodyPr rtlCol="0"/>
-          <a:lstStyle/>
-          <a:p>
-            <a:pPr rtl="0"/>
-            <a:r>
-              <a:rPr lang="en-GB" sz="2400"/>
-              <a:t>Open the Design Ideas pane for instant slide makeovers. </a:t>
-            </a:r>
-          </a:p>
-          <a:p>
-            <a:pPr rtl="0"/>
-            <a:r>
-              <a:rPr lang="en-GB" sz="2400"/>
-              <a:t>When we have design ideas, we’ll show them to you right there. </a:t>
-            </a:r>
-          </a:p>
-        </p:txBody>
-      </p:sp>
-      <p:sp>
-        <p:nvSpPr>
-          <p:cNvPr id="18" name="Date Placeholder 17">
-            <a:extLst>
-              <a:ext uri="{FF2B5EF4-FFF2-40B4-BE49-F238E27FC236}">
-                <a16:creationId xmlns:a16="http://schemas.microsoft.com/office/drawing/2014/main" id="{93F1F6E8-FB29-489E-9497-38321677D832}"/>
-              </a:ext>
-            </a:extLst>
-          </p:cNvPr>
-          <p:cNvSpPr>
-            <a:spLocks noGrp="1"/>
-          </p:cNvSpPr>
-          <p:nvPr>
-            <p:ph type="dt" sz="half" idx="10"/>
-          </p:nvPr>
-        </p:nvSpPr>
-        <p:spPr/>
-        <p:txBody>
-          <a:bodyPr rtlCol="0"/>
-          <a:lstStyle/>
-          <a:p>
-            <a:pPr marL="0" marR="0" lvl="0" indent="0" algn="l" defTabSz="914400" rtl="0" eaLnBrk="1" fontAlgn="auto" latinLnBrk="0" hangingPunct="1">
-              <a:lnSpc>
-                <a:spcPct val="100000"/>
-              </a:lnSpc>
-              <a:spcBef>
-                <a:spcPts val="0"/>
-              </a:spcBef>
-              <a:spcAft>
-                <a:spcPts val="0"/>
-              </a:spcAft>
-              <a:buClrTx/>
-              <a:buSzTx/>
-              <a:buFontTx/>
-              <a:buNone/>
-              <a:tabLst/>
-              <a:defRPr/>
-            </a:pPr>
-            <a:r>
-              <a:rPr lang="en-GB" sz="1200" b="0" i="0" u="none" strike="noStrike" kern="1200" cap="none" spc="0" normalizeH="0">
-                <a:ln>
-                  <a:noFill/>
-                </a:ln>
-                <a:solidFill>
-                  <a:prstClr val="black">
-                    <a:tint val="75000"/>
-                  </a:prstClr>
-                </a:solidFill>
-                <a:effectLst/>
-                <a:uLnTx/>
-                <a:uFillTx/>
-                <a:latin typeface="Calibri" panose="020F0502020204030204"/>
-                <a:ea typeface="+mn-ea"/>
-                <a:cs typeface="+mn-cs"/>
-              </a:rPr>
-              <a:t>9/3/20XX</a:t>
-            </a:r>
-          </a:p>
-        </p:txBody>
-      </p:sp>
-      <p:sp>
-        <p:nvSpPr>
-          <p:cNvPr id="19" name="Footer Placeholder 18">
-            <a:extLst>
-              <a:ext uri="{FF2B5EF4-FFF2-40B4-BE49-F238E27FC236}">
-                <a16:creationId xmlns:a16="http://schemas.microsoft.com/office/drawing/2014/main" id="{A86EFF1E-AB9A-40FE-A0CF-794B56E5276A}"/>
-              </a:ext>
-            </a:extLst>
-          </p:cNvPr>
-          <p:cNvSpPr>
-            <a:spLocks noGrp="1"/>
-          </p:cNvSpPr>
-          <p:nvPr>
-            <p:ph type="ftr" sz="quarter" idx="11"/>
-          </p:nvPr>
-        </p:nvSpPr>
-        <p:spPr/>
-        <p:txBody>
-          <a:bodyPr rtlCol="0"/>
-          <a:lstStyle/>
-          <a:p>
-            <a:pPr marL="0" marR="0" lvl="0" indent="0" algn="ctr" defTabSz="914400" rtl="0" eaLnBrk="1" fontAlgn="auto" latinLnBrk="0" hangingPunct="1">
-              <a:lnSpc>
-                <a:spcPct val="100000"/>
-              </a:lnSpc>
-              <a:spcBef>
-                <a:spcPts val="0"/>
-              </a:spcBef>
-              <a:spcAft>
-                <a:spcPts val="0"/>
-              </a:spcAft>
-              <a:buClrTx/>
-              <a:buSzTx/>
-              <a:buFontTx/>
-              <a:buNone/>
-              <a:tabLst/>
-              <a:defRPr/>
-            </a:pPr>
-            <a:r>
-              <a:rPr lang="en-GB" sz="1200" b="0" i="0" u="none" strike="noStrike" kern="1200" cap="none" spc="0" normalizeH="0">
-                <a:ln>
-                  <a:noFill/>
-                </a:ln>
-                <a:solidFill>
-                  <a:prstClr val="black">
-                    <a:tint val="75000"/>
-                  </a:prstClr>
-                </a:solidFill>
-                <a:effectLst/>
-                <a:uLnTx/>
-                <a:uFillTx/>
-                <a:latin typeface="Calibri" panose="020F0502020204030204"/>
-                <a:ea typeface="+mn-ea"/>
-                <a:cs typeface="+mn-cs"/>
-              </a:rPr>
-              <a:t>Presentation Title</a:t>
-            </a:r>
-          </a:p>
-        </p:txBody>
-      </p:sp>
-      <p:sp>
-        <p:nvSpPr>
-          <p:cNvPr id="20" name="Slide Number Placeholder 19">
-            <a:extLst>
-              <a:ext uri="{FF2B5EF4-FFF2-40B4-BE49-F238E27FC236}">
-                <a16:creationId xmlns:a16="http://schemas.microsoft.com/office/drawing/2014/main" id="{013C53F7-A9FD-4503-9396-7A3FE9D0C699}"/>
-              </a:ext>
-            </a:extLst>
-          </p:cNvPr>
-          <p:cNvSpPr>
-            <a:spLocks noGrp="1"/>
-          </p:cNvSpPr>
-          <p:nvPr>
-            <p:ph type="sldNum" sz="quarter" idx="12"/>
-          </p:nvPr>
-        </p:nvSpPr>
-        <p:spPr/>
-        <p:txBody>
-          <a:bodyPr rtlCol="0"/>
-          <a:lstStyle/>
-          <a:p>
-            <a:pPr marL="0" marR="0" lvl="0" indent="0" algn="r" defTabSz="914400" rtl="0" eaLnBrk="1" fontAlgn="auto" latinLnBrk="0" hangingPunct="1">
-              <a:lnSpc>
-                <a:spcPct val="100000"/>
-              </a:lnSpc>
-              <a:spcBef>
-                <a:spcPts val="0"/>
-              </a:spcBef>
-              <a:spcAft>
-                <a:spcPts val="0"/>
-              </a:spcAft>
-              <a:buClrTx/>
-              <a:buSzTx/>
-              <a:buFontTx/>
-              <a:buNone/>
-              <a:tabLst/>
-              <a:defRPr/>
-            </a:pPr>
-            <a:fld id="{D76B855D-E9CC-4FF8-AD85-6CDC7B89A0DE}" type="slidenum">
-              <a:rPr kumimoji="0" lang="en-GB" sz="1200" b="0" i="0" u="none" strike="noStrike" kern="1200" cap="none" spc="0" normalizeH="0" baseline="0" smtClean="0">
-                <a:ln>
-                  <a:noFill/>
-                </a:ln>
-                <a:solidFill>
-                  <a:prstClr val="black">
-                    <a:tint val="75000"/>
-                  </a:prstClr>
-                </a:solidFill>
-                <a:effectLst/>
-                <a:uLnTx/>
-                <a:uFillTx/>
-                <a:latin typeface="Calibri" panose="020F0502020204030204"/>
-                <a:ea typeface="+mn-ea"/>
-                <a:cs typeface="+mn-cs"/>
-              </a:rPr>
-              <a:pPr marL="0" marR="0" lvl="0" indent="0" algn="r" defTabSz="914400" rtl="0" eaLnBrk="1" fontAlgn="auto" latinLnBrk="0" hangingPunct="1">
-                <a:lnSpc>
-                  <a:spcPct val="100000"/>
-                </a:lnSpc>
-                <a:spcBef>
-                  <a:spcPts val="0"/>
-                </a:spcBef>
-                <a:spcAft>
-                  <a:spcPts val="0"/>
-                </a:spcAft>
-                <a:buClrTx/>
-                <a:buSzTx/>
-                <a:buFontTx/>
-                <a:buNone/>
-                <a:tabLst/>
-                <a:defRPr/>
-              </a:pPr>
-              <a:t>10</a:t>
-            </a:fld>
-            <a:endParaRPr kumimoji="0" lang="en-GB" sz="1200" b="0" i="0" u="none" strike="noStrike" kern="1200" cap="none" spc="0" normalizeH="0" baseline="0">
-              <a:ln>
-                <a:noFill/>
-              </a:ln>
-              <a:solidFill>
-                <a:prstClr val="black">
-                  <a:tint val="75000"/>
-                </a:prstClr>
-              </a:solidFill>
-              <a:effectLst/>
-              <a:uLnTx/>
-              <a:uFillTx/>
-              <a:latin typeface="Calibri" panose="020F0502020204030204"/>
-              <a:ea typeface="+mn-ea"/>
-              <a:cs typeface="+mn-cs"/>
-            </a:endParaRPr>
-          </a:p>
-        </p:txBody>
-      </p:sp>
-    </p:spTree>
-    <p:extLst>
-      <p:ext uri="{BB962C8B-B14F-4D97-AF65-F5344CB8AC3E}">
-        <p14:creationId xmlns:p14="http://schemas.microsoft.com/office/powerpoint/2010/main" val="1813910725"/>
-      </p:ext>
-    </p:extLst>
-  </p:cSld>
-  <p:clrMapOvr>
-    <a:masterClrMapping/>
-  </p:clrMapOvr>
-</p:sld>
-</file>
-
-<file path=ppt/slides/slide11.xml><?xml version="1.0" encoding="utf-8"?>
-<p:sld xmlns:a="http://schemas.openxmlformats.org/drawingml/2006/main" xmlns:r="http://schemas.openxmlformats.org/officeDocument/2006/relationships" xmlns:p="http://schemas.openxmlformats.org/presentationml/2006/main">
-  <p:cSld>
-    <p:spTree>
-      <p:nvGrpSpPr>
-        <p:cNvPr id="1" name=""/>
-        <p:cNvGrpSpPr/>
-        <p:nvPr/>
-      </p:nvGrpSpPr>
-      <p:grpSpPr>
-        <a:xfrm>
-          <a:off x="0" y="0"/>
-          <a:ext cx="0" cy="0"/>
-          <a:chOff x="0" y="0"/>
-          <a:chExt cx="0" cy="0"/>
-        </a:xfrm>
-      </p:grpSpPr>
-      <p:sp>
-        <p:nvSpPr>
-          <p:cNvPr id="2" name="Title 1">
-            <a:extLst>
-              <a:ext uri="{FF2B5EF4-FFF2-40B4-BE49-F238E27FC236}">
-                <a16:creationId xmlns:a16="http://schemas.microsoft.com/office/drawing/2014/main" id="{F7CEB8CC-E887-4C39-A032-E3471EDC043E}"/>
-              </a:ext>
-            </a:extLst>
-          </p:cNvPr>
-          <p:cNvSpPr>
-            <a:spLocks noGrp="1"/>
-          </p:cNvSpPr>
-          <p:nvPr>
-            <p:ph type="title"/>
-          </p:nvPr>
-        </p:nvSpPr>
-        <p:spPr/>
-        <p:txBody>
-          <a:bodyPr rtlCol="0"/>
-          <a:lstStyle/>
-          <a:p>
-            <a:pPr rtl="0"/>
-            <a:r>
-              <a:rPr lang="en-GB"/>
-              <a:t>Content  </a:t>
-            </a:r>
-          </a:p>
-        </p:txBody>
-      </p:sp>
-      <p:sp>
-        <p:nvSpPr>
-          <p:cNvPr id="3" name="Text Placeholder 2">
-            <a:extLst>
-              <a:ext uri="{FF2B5EF4-FFF2-40B4-BE49-F238E27FC236}">
-                <a16:creationId xmlns:a16="http://schemas.microsoft.com/office/drawing/2014/main" id="{A4B28E79-36F1-4487-B6B6-7A33F5C3C0B2}"/>
-              </a:ext>
-            </a:extLst>
-          </p:cNvPr>
-          <p:cNvSpPr>
-            <a:spLocks noGrp="1"/>
-          </p:cNvSpPr>
-          <p:nvPr>
-            <p:ph type="body" idx="1"/>
-          </p:nvPr>
-        </p:nvSpPr>
-        <p:spPr/>
-        <p:txBody>
-          <a:bodyPr rtlCol="0"/>
-          <a:lstStyle/>
-          <a:p>
-            <a:pPr rtl="0"/>
-            <a:r>
-              <a:rPr lang="en-GB"/>
-              <a:t>Subtitle</a:t>
-            </a:r>
-          </a:p>
-        </p:txBody>
-      </p:sp>
-      <p:sp>
-        <p:nvSpPr>
-          <p:cNvPr id="4" name="Content Placeholder 3">
-            <a:extLst>
-              <a:ext uri="{FF2B5EF4-FFF2-40B4-BE49-F238E27FC236}">
-                <a16:creationId xmlns:a16="http://schemas.microsoft.com/office/drawing/2014/main" id="{245DDB48-166A-4E16-B9DF-C5C6570A1BAD}"/>
-              </a:ext>
-            </a:extLst>
-          </p:cNvPr>
-          <p:cNvSpPr>
-            <a:spLocks noGrp="1"/>
-          </p:cNvSpPr>
-          <p:nvPr>
-            <p:ph sz="half" idx="2"/>
-          </p:nvPr>
-        </p:nvSpPr>
-        <p:spPr/>
-        <p:txBody>
-          <a:bodyPr rtlCol="0"/>
-          <a:lstStyle/>
-          <a:p>
-            <a:pPr rtl="0"/>
-            <a:r>
-              <a:rPr lang="en-GB" sz="2000"/>
-              <a:t>Add text, images, art, and videos. </a:t>
-            </a:r>
-          </a:p>
-          <a:p>
-            <a:pPr rtl="0"/>
-            <a:r>
-              <a:rPr lang="en-GB" sz="2000"/>
-              <a:t>Add transitions, animations, and motion. </a:t>
-            </a:r>
-          </a:p>
-          <a:p>
-            <a:pPr rtl="0"/>
-            <a:r>
-              <a:rPr lang="en-GB" sz="2000"/>
-              <a:t>Save to OneDrive, to get to your presentations from your computer, tablet, or phone. </a:t>
-            </a:r>
-          </a:p>
-          <a:p>
-            <a:pPr rtl="0"/>
-            <a:endParaRPr lang="en-GB"/>
-          </a:p>
-        </p:txBody>
-      </p:sp>
-      <p:sp>
-        <p:nvSpPr>
-          <p:cNvPr id="5" name="Text Placeholder 4">
-            <a:extLst>
-              <a:ext uri="{FF2B5EF4-FFF2-40B4-BE49-F238E27FC236}">
-                <a16:creationId xmlns:a16="http://schemas.microsoft.com/office/drawing/2014/main" id="{7A4C5B2A-12FB-43E3-8389-C0A5E65E6D91}"/>
-              </a:ext>
-            </a:extLst>
-          </p:cNvPr>
-          <p:cNvSpPr>
-            <a:spLocks noGrp="1"/>
-          </p:cNvSpPr>
-          <p:nvPr>
-            <p:ph type="body" sz="quarter" idx="3"/>
-          </p:nvPr>
-        </p:nvSpPr>
-        <p:spPr/>
-        <p:txBody>
-          <a:bodyPr rtlCol="0"/>
-          <a:lstStyle/>
-          <a:p>
-            <a:pPr rtl="0"/>
-            <a:r>
-              <a:rPr lang="en-GB"/>
-              <a:t>Subtitle</a:t>
-            </a:r>
-          </a:p>
-        </p:txBody>
-      </p:sp>
-      <p:sp>
-        <p:nvSpPr>
-          <p:cNvPr id="6" name="Content Placeholder 5">
-            <a:extLst>
-              <a:ext uri="{FF2B5EF4-FFF2-40B4-BE49-F238E27FC236}">
-                <a16:creationId xmlns:a16="http://schemas.microsoft.com/office/drawing/2014/main" id="{53C09F06-9236-4635-AFB4-5E7D384A6BAE}"/>
-              </a:ext>
-            </a:extLst>
-          </p:cNvPr>
-          <p:cNvSpPr>
-            <a:spLocks noGrp="1"/>
-          </p:cNvSpPr>
-          <p:nvPr>
-            <p:ph sz="quarter" idx="4"/>
-          </p:nvPr>
-        </p:nvSpPr>
-        <p:spPr/>
-        <p:txBody>
-          <a:bodyPr rtlCol="0"/>
-          <a:lstStyle/>
-          <a:p>
-            <a:pPr rtl="0"/>
-            <a:r>
-              <a:rPr lang="en-GB" sz="2000"/>
-              <a:t>Open the Design Ideas pane for instant slide makeovers. </a:t>
-            </a:r>
-          </a:p>
-          <a:p>
-            <a:pPr rtl="0"/>
-            <a:r>
-              <a:rPr lang="en-GB" sz="2000"/>
-              <a:t>When we have design ideas, we’ll show them to you right there. </a:t>
-            </a:r>
-          </a:p>
-          <a:p>
-            <a:pPr rtl="0"/>
-            <a:endParaRPr lang="en-GB"/>
-          </a:p>
-        </p:txBody>
-      </p:sp>
-      <p:sp>
-        <p:nvSpPr>
-          <p:cNvPr id="7" name="Text Placeholder 6">
-            <a:extLst>
-              <a:ext uri="{FF2B5EF4-FFF2-40B4-BE49-F238E27FC236}">
-                <a16:creationId xmlns:a16="http://schemas.microsoft.com/office/drawing/2014/main" id="{016D0387-7057-4207-9037-65B55A7B211B}"/>
-              </a:ext>
-            </a:extLst>
-          </p:cNvPr>
-          <p:cNvSpPr>
-            <a:spLocks noGrp="1"/>
-          </p:cNvSpPr>
-          <p:nvPr>
-            <p:ph type="body" sz="quarter" idx="13"/>
-          </p:nvPr>
-        </p:nvSpPr>
-        <p:spPr/>
-        <p:txBody>
-          <a:bodyPr rtlCol="0"/>
-          <a:lstStyle/>
-          <a:p>
-            <a:pPr rtl="0"/>
-            <a:r>
-              <a:rPr lang="en-GB"/>
-              <a:t>Subtitle</a:t>
-            </a:r>
-          </a:p>
-        </p:txBody>
-      </p:sp>
-      <p:sp>
-        <p:nvSpPr>
-          <p:cNvPr id="8" name="Content Placeholder 7">
-            <a:extLst>
-              <a:ext uri="{FF2B5EF4-FFF2-40B4-BE49-F238E27FC236}">
-                <a16:creationId xmlns:a16="http://schemas.microsoft.com/office/drawing/2014/main" id="{EE1302F8-9FA6-4CC4-AD07-E8137FCC99A5}"/>
-              </a:ext>
-            </a:extLst>
-          </p:cNvPr>
-          <p:cNvSpPr>
-            <a:spLocks noGrp="1"/>
-          </p:cNvSpPr>
-          <p:nvPr>
-            <p:ph sz="quarter" idx="14"/>
-          </p:nvPr>
-        </p:nvSpPr>
-        <p:spPr/>
-        <p:txBody>
-          <a:bodyPr rtlCol="0"/>
-          <a:lstStyle/>
-          <a:p>
-            <a:pPr rtl="0"/>
-            <a:r>
-              <a:rPr lang="en-GB" sz="2000"/>
-              <a:t>This PowerPoint theme uses its own unique set of colours, fonts, and effects to create the overall look and feel of these slides. </a:t>
-            </a:r>
-          </a:p>
-          <a:p>
-            <a:pPr rtl="0"/>
-            <a:r>
-              <a:rPr lang="en-GB" sz="2000"/>
-              <a:t>PowerPoint has tons of themes to give your presentation just the right personality. </a:t>
-            </a:r>
-          </a:p>
-          <a:p>
-            <a:pPr rtl="0"/>
-            <a:endParaRPr lang="en-GB"/>
-          </a:p>
-        </p:txBody>
-      </p:sp>
-      <p:sp>
-        <p:nvSpPr>
-          <p:cNvPr id="9" name="Date Placeholder 8">
-            <a:extLst>
-              <a:ext uri="{FF2B5EF4-FFF2-40B4-BE49-F238E27FC236}">
-                <a16:creationId xmlns:a16="http://schemas.microsoft.com/office/drawing/2014/main" id="{38435D0D-6D88-4851-8B63-E6A6A7BC8659}"/>
-              </a:ext>
-            </a:extLst>
-          </p:cNvPr>
-          <p:cNvSpPr>
-            <a:spLocks noGrp="1"/>
-          </p:cNvSpPr>
-          <p:nvPr>
-            <p:ph type="dt" sz="half" idx="10"/>
-          </p:nvPr>
-        </p:nvSpPr>
-        <p:spPr/>
-        <p:txBody>
-          <a:bodyPr rtlCol="0"/>
-          <a:lstStyle/>
-          <a:p>
-            <a:pPr marL="0" marR="0" lvl="0" indent="0" algn="l" defTabSz="914400" rtl="0" eaLnBrk="1" fontAlgn="auto" latinLnBrk="0" hangingPunct="1">
-              <a:lnSpc>
-                <a:spcPct val="100000"/>
-              </a:lnSpc>
-              <a:spcBef>
-                <a:spcPts val="0"/>
-              </a:spcBef>
-              <a:spcAft>
-                <a:spcPts val="0"/>
-              </a:spcAft>
-              <a:buClrTx/>
-              <a:buSzTx/>
-              <a:buFontTx/>
-              <a:buNone/>
-              <a:tabLst/>
-              <a:defRPr/>
-            </a:pPr>
-            <a:r>
-              <a:rPr lang="en-GB" sz="1200" b="0" i="0" u="none" strike="noStrike" kern="1200" cap="none" spc="0" normalizeH="0">
-                <a:ln>
-                  <a:noFill/>
-                </a:ln>
-                <a:solidFill>
-                  <a:prstClr val="black">
-                    <a:tint val="75000"/>
-                  </a:prstClr>
-                </a:solidFill>
-                <a:effectLst/>
-                <a:uLnTx/>
-                <a:uFillTx/>
-                <a:latin typeface="Calibri" panose="020F0502020204030204"/>
-                <a:ea typeface="+mn-ea"/>
-                <a:cs typeface="+mn-cs"/>
-              </a:rPr>
-              <a:t>9/3/20XX</a:t>
-            </a:r>
-          </a:p>
-        </p:txBody>
-      </p:sp>
-      <p:sp>
-        <p:nvSpPr>
-          <p:cNvPr id="10" name="Footer Placeholder 9">
-            <a:extLst>
-              <a:ext uri="{FF2B5EF4-FFF2-40B4-BE49-F238E27FC236}">
-                <a16:creationId xmlns:a16="http://schemas.microsoft.com/office/drawing/2014/main" id="{0355C492-B5A1-4AEA-87B3-88D8AB076D5E}"/>
-              </a:ext>
-            </a:extLst>
-          </p:cNvPr>
-          <p:cNvSpPr>
-            <a:spLocks noGrp="1"/>
-          </p:cNvSpPr>
-          <p:nvPr>
-            <p:ph type="ftr" sz="quarter" idx="11"/>
-          </p:nvPr>
-        </p:nvSpPr>
-        <p:spPr/>
-        <p:txBody>
-          <a:bodyPr rtlCol="0"/>
-          <a:lstStyle/>
-          <a:p>
-            <a:pPr marL="0" marR="0" lvl="0" indent="0" algn="ctr" defTabSz="914400" rtl="0" eaLnBrk="1" fontAlgn="auto" latinLnBrk="0" hangingPunct="1">
-              <a:lnSpc>
-                <a:spcPct val="100000"/>
-              </a:lnSpc>
-              <a:spcBef>
-                <a:spcPts val="0"/>
-              </a:spcBef>
-              <a:spcAft>
-                <a:spcPts val="0"/>
-              </a:spcAft>
-              <a:buClrTx/>
-              <a:buSzTx/>
-              <a:buFontTx/>
-              <a:buNone/>
-              <a:tabLst/>
-              <a:defRPr/>
-            </a:pPr>
-            <a:r>
-              <a:rPr lang="en-GB" sz="1200" b="0" i="0" u="none" strike="noStrike" kern="1200" cap="none" spc="0" normalizeH="0">
-                <a:ln>
-                  <a:noFill/>
-                </a:ln>
-                <a:solidFill>
-                  <a:prstClr val="black">
-                    <a:tint val="75000"/>
-                  </a:prstClr>
-                </a:solidFill>
-                <a:effectLst/>
-                <a:uLnTx/>
-                <a:uFillTx/>
-                <a:latin typeface="Calibri" panose="020F0502020204030204"/>
-                <a:ea typeface="+mn-ea"/>
-                <a:cs typeface="+mn-cs"/>
-              </a:rPr>
-              <a:t>Presentation Title</a:t>
-            </a:r>
-          </a:p>
-        </p:txBody>
-      </p:sp>
-      <p:sp>
-        <p:nvSpPr>
-          <p:cNvPr id="11" name="Slide Number Placeholder 10">
-            <a:extLst>
-              <a:ext uri="{FF2B5EF4-FFF2-40B4-BE49-F238E27FC236}">
-                <a16:creationId xmlns:a16="http://schemas.microsoft.com/office/drawing/2014/main" id="{68ED6379-8C31-4483-A809-D0E84782F0CA}"/>
-              </a:ext>
-            </a:extLst>
-          </p:cNvPr>
-          <p:cNvSpPr>
-            <a:spLocks noGrp="1"/>
-          </p:cNvSpPr>
-          <p:nvPr>
-            <p:ph type="sldNum" sz="quarter" idx="12"/>
-          </p:nvPr>
-        </p:nvSpPr>
-        <p:spPr/>
-        <p:txBody>
-          <a:bodyPr rtlCol="0"/>
-          <a:lstStyle/>
-          <a:p>
-            <a:pPr marL="0" marR="0" lvl="0" indent="0" algn="r" defTabSz="914400" rtl="0" eaLnBrk="1" fontAlgn="auto" latinLnBrk="0" hangingPunct="1">
-              <a:lnSpc>
-                <a:spcPct val="100000"/>
-              </a:lnSpc>
-              <a:spcBef>
-                <a:spcPts val="0"/>
-              </a:spcBef>
-              <a:spcAft>
-                <a:spcPts val="0"/>
-              </a:spcAft>
-              <a:buClrTx/>
-              <a:buSzTx/>
-              <a:buFontTx/>
-              <a:buNone/>
-              <a:tabLst/>
-              <a:defRPr/>
-            </a:pPr>
-            <a:fld id="{D76B855D-E9CC-4FF8-AD85-6CDC7B89A0DE}" type="slidenum">
-              <a:rPr kumimoji="0" lang="en-GB" sz="1200" b="0" i="0" u="none" strike="noStrike" kern="1200" cap="none" spc="0" normalizeH="0" baseline="0" smtClean="0">
-                <a:ln>
-                  <a:noFill/>
-                </a:ln>
-                <a:solidFill>
-                  <a:prstClr val="black">
-                    <a:tint val="75000"/>
-                  </a:prstClr>
-                </a:solidFill>
-                <a:effectLst/>
-                <a:uLnTx/>
-                <a:uFillTx/>
-                <a:latin typeface="Calibri" panose="020F0502020204030204"/>
-                <a:ea typeface="+mn-ea"/>
-                <a:cs typeface="+mn-cs"/>
-              </a:rPr>
-              <a:pPr marL="0" marR="0" lvl="0" indent="0" algn="r" defTabSz="914400" rtl="0" eaLnBrk="1" fontAlgn="auto" latinLnBrk="0" hangingPunct="1">
-                <a:lnSpc>
-                  <a:spcPct val="100000"/>
-                </a:lnSpc>
-                <a:spcBef>
-                  <a:spcPts val="0"/>
-                </a:spcBef>
-                <a:spcAft>
-                  <a:spcPts val="0"/>
-                </a:spcAft>
-                <a:buClrTx/>
-                <a:buSzTx/>
-                <a:buFontTx/>
-                <a:buNone/>
-                <a:tabLst/>
-                <a:defRPr/>
-              </a:pPr>
-              <a:t>11</a:t>
-            </a:fld>
-            <a:endParaRPr kumimoji="0" lang="en-GB" sz="1200" b="0" i="0" u="none" strike="noStrike" kern="1200" cap="none" spc="0" normalizeH="0" baseline="0">
-              <a:ln>
-                <a:noFill/>
-              </a:ln>
-              <a:solidFill>
-                <a:prstClr val="black">
-                  <a:tint val="75000"/>
-                </a:prstClr>
-              </a:solidFill>
-              <a:effectLst/>
-              <a:uLnTx/>
-              <a:uFillTx/>
-              <a:latin typeface="Calibri" panose="020F0502020204030204"/>
-              <a:ea typeface="+mn-ea"/>
-              <a:cs typeface="+mn-cs"/>
-            </a:endParaRPr>
-          </a:p>
-        </p:txBody>
-      </p:sp>
-    </p:spTree>
-    <p:extLst>
-      <p:ext uri="{BB962C8B-B14F-4D97-AF65-F5344CB8AC3E}">
-        <p14:creationId xmlns:p14="http://schemas.microsoft.com/office/powerpoint/2010/main" val="543995561"/>
-      </p:ext>
-    </p:extLst>
-  </p:cSld>
-  <p:clrMapOvr>
-    <a:masterClrMapping/>
-  </p:clrMapOvr>
-</p:sld>
-</file>
-
-<file path=ppt/slides/slide12.xml><?xml version="1.0" encoding="utf-8"?>
-<p:sld xmlns:a="http://schemas.openxmlformats.org/drawingml/2006/main" xmlns:r="http://schemas.openxmlformats.org/officeDocument/2006/relationships" xmlns:p="http://schemas.openxmlformats.org/presentationml/2006/main">
-  <p:cSld>
-    <p:spTree>
-      <p:nvGrpSpPr>
-        <p:cNvPr id="1" name=""/>
-        <p:cNvGrpSpPr/>
-        <p:nvPr/>
-      </p:nvGrpSpPr>
-      <p:grpSpPr>
-        <a:xfrm>
-          <a:off x="0" y="0"/>
-          <a:ext cx="0" cy="0"/>
-          <a:chOff x="0" y="0"/>
-          <a:chExt cx="0" cy="0"/>
-        </a:xfrm>
-      </p:grpSpPr>
-      <p:sp>
-        <p:nvSpPr>
-          <p:cNvPr id="4" name="Title 3">
-            <a:extLst>
-              <a:ext uri="{FF2B5EF4-FFF2-40B4-BE49-F238E27FC236}">
-                <a16:creationId xmlns:a16="http://schemas.microsoft.com/office/drawing/2014/main" id="{E45C6405-9D6C-48F5-9EFB-4CF1F3193EA4}"/>
-              </a:ext>
-            </a:extLst>
-          </p:cNvPr>
-          <p:cNvSpPr>
-            <a:spLocks noGrp="1"/>
-          </p:cNvSpPr>
-          <p:nvPr>
-            <p:ph type="title"/>
-          </p:nvPr>
-        </p:nvSpPr>
-        <p:spPr/>
-        <p:txBody>
-          <a:bodyPr rtlCol="0"/>
-          <a:lstStyle/>
-          <a:p>
-            <a:pPr rtl="0"/>
-            <a:r>
-              <a:rPr lang="en-GB"/>
-              <a:t>Summary</a:t>
-            </a:r>
-          </a:p>
-        </p:txBody>
-      </p:sp>
-      <p:sp>
-        <p:nvSpPr>
-          <p:cNvPr id="5" name="Content Placeholder 4">
-            <a:extLst>
-              <a:ext uri="{FF2B5EF4-FFF2-40B4-BE49-F238E27FC236}">
-                <a16:creationId xmlns:a16="http://schemas.microsoft.com/office/drawing/2014/main" id="{42E3A3A9-5E96-4CDD-A971-9C272EFD97D9}"/>
-              </a:ext>
-            </a:extLst>
-          </p:cNvPr>
-          <p:cNvSpPr>
-            <a:spLocks noGrp="1"/>
-          </p:cNvSpPr>
-          <p:nvPr>
-            <p:ph idx="1"/>
-          </p:nvPr>
-        </p:nvSpPr>
-        <p:spPr/>
-        <p:txBody>
-          <a:bodyPr rtlCol="0"/>
-          <a:lstStyle/>
-          <a:p>
-            <a:pPr rtl="0"/>
-            <a:r>
-              <a:rPr lang="en-GB" sz="2400"/>
-              <a:t>With PowerPoint, you can create presentations and share your work with others, wherever they are. Type the text you want here to get started. You can also add images, art, and videos on this template. Save to OneDrive and access your presentations from your computer, tablet, or phone. </a:t>
-            </a:r>
-          </a:p>
-          <a:p>
-            <a:pPr rtl="0"/>
-            <a:endParaRPr lang="en-GB"/>
-          </a:p>
-        </p:txBody>
-      </p:sp>
-      <p:pic>
-        <p:nvPicPr>
-          <p:cNvPr id="9" name="Picture Placeholder 8" descr="boy playing with space ship toys">
-            <a:extLst>
-              <a:ext uri="{FF2B5EF4-FFF2-40B4-BE49-F238E27FC236}">
-                <a16:creationId xmlns:a16="http://schemas.microsoft.com/office/drawing/2014/main" id="{BB00A97C-4C32-42DA-9838-F3D341AB0DCC}"/>
-              </a:ext>
-            </a:extLst>
-          </p:cNvPr>
-          <p:cNvPicPr>
-            <a:picLocks noGrp="1" noChangeAspect="1"/>
-          </p:cNvPicPr>
-          <p:nvPr>
-            <p:ph type="pic" sz="quarter" idx="13"/>
-          </p:nvPr>
-        </p:nvPicPr>
-        <p:blipFill rotWithShape="1">
-          <a:blip r:embed="rId3"/>
-          <a:srcRect l="20" r="20"/>
-          <a:stretch/>
-        </p:blipFill>
-        <p:spPr/>
-      </p:pic>
-      <p:pic>
-        <p:nvPicPr>
-          <p:cNvPr id="11" name="Picture Placeholder 10" descr="little girl sitting on steps reading a book">
-            <a:extLst>
-              <a:ext uri="{FF2B5EF4-FFF2-40B4-BE49-F238E27FC236}">
-                <a16:creationId xmlns:a16="http://schemas.microsoft.com/office/drawing/2014/main" id="{89C83A94-9400-40DF-9CE0-AFEB3C742BC3}"/>
-              </a:ext>
-            </a:extLst>
-          </p:cNvPr>
-          <p:cNvPicPr>
-            <a:picLocks noGrp="1" noChangeAspect="1"/>
-          </p:cNvPicPr>
-          <p:nvPr>
-            <p:ph type="pic" sz="quarter" idx="14"/>
-          </p:nvPr>
-        </p:nvPicPr>
-        <p:blipFill rotWithShape="1">
-          <a:blip r:embed="rId4"/>
-          <a:srcRect t="23" b="23"/>
-          <a:stretch/>
-        </p:blipFill>
-        <p:spPr/>
-      </p:pic>
-      <p:sp>
-        <p:nvSpPr>
-          <p:cNvPr id="12" name="Date Placeholder 11">
-            <a:extLst>
-              <a:ext uri="{FF2B5EF4-FFF2-40B4-BE49-F238E27FC236}">
-                <a16:creationId xmlns:a16="http://schemas.microsoft.com/office/drawing/2014/main" id="{C01975C7-D604-4AD4-85CC-2EFC92D81A7E}"/>
-              </a:ext>
-            </a:extLst>
-          </p:cNvPr>
-          <p:cNvSpPr>
-            <a:spLocks noGrp="1"/>
-          </p:cNvSpPr>
-          <p:nvPr>
-            <p:ph type="dt" sz="half" idx="10"/>
-          </p:nvPr>
-        </p:nvSpPr>
-        <p:spPr/>
-        <p:txBody>
-          <a:bodyPr rtlCol="0"/>
-          <a:lstStyle/>
-          <a:p>
-            <a:pPr marL="0" marR="0" lvl="0" indent="0" algn="l" defTabSz="914400" rtl="0" eaLnBrk="1" fontAlgn="auto" latinLnBrk="0" hangingPunct="1">
-              <a:lnSpc>
-                <a:spcPct val="100000"/>
-              </a:lnSpc>
-              <a:spcBef>
-                <a:spcPts val="0"/>
-              </a:spcBef>
-              <a:spcAft>
-                <a:spcPts val="0"/>
-              </a:spcAft>
-              <a:buClrTx/>
-              <a:buSzTx/>
-              <a:buFontTx/>
-              <a:buNone/>
-              <a:tabLst/>
-              <a:defRPr/>
-            </a:pPr>
-            <a:r>
-              <a:rPr lang="en-GB" sz="1200" b="0" i="0" u="none" strike="noStrike" kern="1200" cap="none" spc="0" normalizeH="0">
-                <a:ln>
-                  <a:noFill/>
-                </a:ln>
-                <a:solidFill>
-                  <a:prstClr val="black">
-                    <a:tint val="75000"/>
-                  </a:prstClr>
-                </a:solidFill>
-                <a:effectLst/>
-                <a:uLnTx/>
-                <a:uFillTx/>
-                <a:latin typeface="Calibri" panose="020F0502020204030204"/>
-                <a:ea typeface="+mn-ea"/>
-                <a:cs typeface="+mn-cs"/>
-              </a:rPr>
-              <a:t>9/3/20XX</a:t>
-            </a:r>
-          </a:p>
-        </p:txBody>
-      </p:sp>
-      <p:sp>
-        <p:nvSpPr>
-          <p:cNvPr id="13" name="Footer Placeholder 12">
-            <a:extLst>
-              <a:ext uri="{FF2B5EF4-FFF2-40B4-BE49-F238E27FC236}">
-                <a16:creationId xmlns:a16="http://schemas.microsoft.com/office/drawing/2014/main" id="{E0C27B2A-1D72-43E3-82D3-29739485AA73}"/>
-              </a:ext>
-            </a:extLst>
-          </p:cNvPr>
-          <p:cNvSpPr>
-            <a:spLocks noGrp="1"/>
-          </p:cNvSpPr>
-          <p:nvPr>
-            <p:ph type="ftr" sz="quarter" idx="11"/>
-          </p:nvPr>
-        </p:nvSpPr>
-        <p:spPr/>
-        <p:txBody>
-          <a:bodyPr rtlCol="0"/>
-          <a:lstStyle/>
-          <a:p>
-            <a:pPr marL="0" marR="0" lvl="0" indent="0" algn="ctr" defTabSz="914400" rtl="0" eaLnBrk="1" fontAlgn="auto" latinLnBrk="0" hangingPunct="1">
-              <a:lnSpc>
-                <a:spcPct val="100000"/>
-              </a:lnSpc>
-              <a:spcBef>
-                <a:spcPts val="0"/>
-              </a:spcBef>
-              <a:spcAft>
-                <a:spcPts val="0"/>
-              </a:spcAft>
-              <a:buClrTx/>
-              <a:buSzTx/>
-              <a:buFontTx/>
-              <a:buNone/>
-              <a:tabLst/>
-              <a:defRPr/>
-            </a:pPr>
-            <a:r>
-              <a:rPr lang="en-GB" sz="1200" b="0" i="0" u="none" strike="noStrike" kern="1200" cap="none" spc="0" normalizeH="0">
-                <a:ln>
-                  <a:noFill/>
-                </a:ln>
-                <a:solidFill>
-                  <a:prstClr val="black">
-                    <a:tint val="75000"/>
-                  </a:prstClr>
-                </a:solidFill>
-                <a:effectLst/>
-                <a:uLnTx/>
-                <a:uFillTx/>
-                <a:latin typeface="Calibri" panose="020F0502020204030204"/>
-                <a:ea typeface="+mn-ea"/>
-                <a:cs typeface="+mn-cs"/>
-              </a:rPr>
-              <a:t>Presentation Title</a:t>
-            </a:r>
-          </a:p>
-        </p:txBody>
-      </p:sp>
-      <p:sp>
-        <p:nvSpPr>
-          <p:cNvPr id="14" name="Slide Number Placeholder 13">
-            <a:extLst>
-              <a:ext uri="{FF2B5EF4-FFF2-40B4-BE49-F238E27FC236}">
-                <a16:creationId xmlns:a16="http://schemas.microsoft.com/office/drawing/2014/main" id="{DC4D09A1-D96F-4BFC-8475-2F079EAD8652}"/>
-              </a:ext>
-            </a:extLst>
-          </p:cNvPr>
-          <p:cNvSpPr>
-            <a:spLocks noGrp="1"/>
-          </p:cNvSpPr>
-          <p:nvPr>
-            <p:ph type="sldNum" sz="quarter" idx="12"/>
-          </p:nvPr>
-        </p:nvSpPr>
-        <p:spPr/>
-        <p:txBody>
-          <a:bodyPr rtlCol="0"/>
-          <a:lstStyle/>
-          <a:p>
-            <a:pPr marL="0" marR="0" lvl="0" indent="0" algn="r" defTabSz="914400" rtl="0" eaLnBrk="1" fontAlgn="auto" latinLnBrk="0" hangingPunct="1">
-              <a:lnSpc>
-                <a:spcPct val="100000"/>
-              </a:lnSpc>
-              <a:spcBef>
-                <a:spcPts val="0"/>
-              </a:spcBef>
-              <a:spcAft>
-                <a:spcPts val="0"/>
-              </a:spcAft>
-              <a:buClrTx/>
-              <a:buSzTx/>
-              <a:buFontTx/>
-              <a:buNone/>
-              <a:tabLst/>
-              <a:defRPr/>
-            </a:pPr>
-            <a:fld id="{D76B855D-E9CC-4FF8-AD85-6CDC7B89A0DE}" type="slidenum">
-              <a:rPr kumimoji="0" lang="en-GB" sz="1200" b="0" i="0" u="none" strike="noStrike" kern="1200" cap="none" spc="0" normalizeH="0" baseline="0" smtClean="0">
-                <a:ln>
-                  <a:noFill/>
-                </a:ln>
-                <a:solidFill>
-                  <a:prstClr val="black">
-                    <a:tint val="75000"/>
-                  </a:prstClr>
-                </a:solidFill>
-                <a:effectLst/>
-                <a:uLnTx/>
-                <a:uFillTx/>
-                <a:latin typeface="Calibri" panose="020F0502020204030204"/>
-                <a:ea typeface="+mn-ea"/>
-                <a:cs typeface="+mn-cs"/>
-              </a:rPr>
-              <a:pPr marL="0" marR="0" lvl="0" indent="0" algn="r" defTabSz="914400" rtl="0" eaLnBrk="1" fontAlgn="auto" latinLnBrk="0" hangingPunct="1">
-                <a:lnSpc>
-                  <a:spcPct val="100000"/>
-                </a:lnSpc>
-                <a:spcBef>
-                  <a:spcPts val="0"/>
-                </a:spcBef>
-                <a:spcAft>
-                  <a:spcPts val="0"/>
-                </a:spcAft>
-                <a:buClrTx/>
-                <a:buSzTx/>
-                <a:buFontTx/>
-                <a:buNone/>
-                <a:tabLst/>
-                <a:defRPr/>
-              </a:pPr>
-              <a:t>12</a:t>
-            </a:fld>
-            <a:endParaRPr kumimoji="0" lang="en-GB" sz="1200" b="0" i="0" u="none" strike="noStrike" kern="1200" cap="none" spc="0" normalizeH="0" baseline="0">
-              <a:ln>
-                <a:noFill/>
-              </a:ln>
-              <a:solidFill>
-                <a:prstClr val="black">
-                  <a:tint val="75000"/>
-                </a:prstClr>
-              </a:solidFill>
-              <a:effectLst/>
-              <a:uLnTx/>
-              <a:uFillTx/>
-              <a:latin typeface="Calibri" panose="020F0502020204030204"/>
-              <a:ea typeface="+mn-ea"/>
-              <a:cs typeface="+mn-cs"/>
-            </a:endParaRPr>
-          </a:p>
-        </p:txBody>
-      </p:sp>
-    </p:spTree>
-    <p:extLst>
-      <p:ext uri="{BB962C8B-B14F-4D97-AF65-F5344CB8AC3E}">
-        <p14:creationId xmlns:p14="http://schemas.microsoft.com/office/powerpoint/2010/main" val="17839761"/>
-      </p:ext>
-    </p:extLst>
-  </p:cSld>
-  <p:clrMapOvr>
-    <a:masterClrMapping/>
-  </p:clrMapOvr>
-</p:sld>
-</file>
-
-<file path=ppt/slides/slide13.xml><?xml version="1.0" encoding="utf-8"?>
-<p:sld xmlns:a="http://schemas.openxmlformats.org/drawingml/2006/main" xmlns:r="http://schemas.openxmlformats.org/officeDocument/2006/relationships" xmlns:p="http://schemas.openxmlformats.org/presentationml/2006/main">
-  <p:cSld>
-    <p:spTree>
-      <p:nvGrpSpPr>
-        <p:cNvPr id="1" name=""/>
-        <p:cNvGrpSpPr/>
-        <p:nvPr/>
-      </p:nvGrpSpPr>
-      <p:grpSpPr>
-        <a:xfrm>
-          <a:off x="0" y="0"/>
-          <a:ext cx="0" cy="0"/>
-          <a:chOff x="0" y="0"/>
-          <a:chExt cx="0" cy="0"/>
-        </a:xfrm>
-      </p:grpSpPr>
-      <p:sp>
-        <p:nvSpPr>
-          <p:cNvPr id="2" name="Title 1">
-            <a:extLst>
-              <a:ext uri="{FF2B5EF4-FFF2-40B4-BE49-F238E27FC236}">
-                <a16:creationId xmlns:a16="http://schemas.microsoft.com/office/drawing/2014/main" id="{659706C9-F26D-46CA-93BF-8C27012F6B12}"/>
-              </a:ext>
-            </a:extLst>
-          </p:cNvPr>
-          <p:cNvSpPr>
-            <a:spLocks noGrp="1"/>
-          </p:cNvSpPr>
-          <p:nvPr>
-            <p:ph type="title"/>
-          </p:nvPr>
-        </p:nvSpPr>
-        <p:spPr/>
-        <p:txBody>
-          <a:bodyPr rtlCol="0"/>
-          <a:lstStyle/>
-          <a:p>
-            <a:pPr rtl="0"/>
-            <a:r>
-              <a:rPr lang="en-GB"/>
-              <a:t>Thank you</a:t>
-            </a:r>
-          </a:p>
-        </p:txBody>
-      </p:sp>
-      <p:sp>
-        <p:nvSpPr>
-          <p:cNvPr id="4" name="Date Placeholder 3">
-            <a:extLst>
-              <a:ext uri="{FF2B5EF4-FFF2-40B4-BE49-F238E27FC236}">
-                <a16:creationId xmlns:a16="http://schemas.microsoft.com/office/drawing/2014/main" id="{6F95E0EB-F1F4-436B-A218-93E100A66902}"/>
-              </a:ext>
-            </a:extLst>
-          </p:cNvPr>
-          <p:cNvSpPr>
-            <a:spLocks noGrp="1"/>
-          </p:cNvSpPr>
-          <p:nvPr>
-            <p:ph type="dt" sz="half" idx="10"/>
-          </p:nvPr>
-        </p:nvSpPr>
-        <p:spPr/>
-        <p:txBody>
-          <a:bodyPr rtlCol="0"/>
-          <a:lstStyle/>
-          <a:p>
-            <a:pPr lvl="0" rtl="0"/>
-            <a:r>
-              <a:rPr lang="en-GB"/>
-              <a:t>9/3/20XX</a:t>
-            </a:r>
-          </a:p>
-        </p:txBody>
-      </p:sp>
-      <p:sp>
-        <p:nvSpPr>
-          <p:cNvPr id="5" name="Footer Placeholder 4">
-            <a:extLst>
-              <a:ext uri="{FF2B5EF4-FFF2-40B4-BE49-F238E27FC236}">
-                <a16:creationId xmlns:a16="http://schemas.microsoft.com/office/drawing/2014/main" id="{C75D06EF-9416-46F7-8230-B49EE1269F53}"/>
-              </a:ext>
-            </a:extLst>
-          </p:cNvPr>
-          <p:cNvSpPr>
-            <a:spLocks noGrp="1"/>
-          </p:cNvSpPr>
-          <p:nvPr>
-            <p:ph type="ftr" sz="quarter" idx="11"/>
-          </p:nvPr>
-        </p:nvSpPr>
-        <p:spPr/>
-        <p:txBody>
-          <a:bodyPr rtlCol="0"/>
-          <a:lstStyle/>
-          <a:p>
-            <a:pPr lvl="0" rtl="0"/>
-            <a:r>
-              <a:rPr lang="en-GB"/>
-              <a:t>Presentation Title</a:t>
-            </a:r>
-          </a:p>
-        </p:txBody>
-      </p:sp>
-      <p:sp>
-        <p:nvSpPr>
-          <p:cNvPr id="6" name="Slide Number Placeholder 5">
-            <a:extLst>
-              <a:ext uri="{FF2B5EF4-FFF2-40B4-BE49-F238E27FC236}">
-                <a16:creationId xmlns:a16="http://schemas.microsoft.com/office/drawing/2014/main" id="{7359025F-68D1-4F50-8480-3F981455D4DE}"/>
-              </a:ext>
-            </a:extLst>
-          </p:cNvPr>
-          <p:cNvSpPr>
-            <a:spLocks noGrp="1"/>
-          </p:cNvSpPr>
-          <p:nvPr>
-            <p:ph type="sldNum" sz="quarter" idx="12"/>
-          </p:nvPr>
-        </p:nvSpPr>
-        <p:spPr/>
-        <p:txBody>
-          <a:bodyPr rtlCol="0"/>
-          <a:lstStyle/>
-          <a:p>
-            <a:pPr lvl="0" rtl="0"/>
-            <a:fld id="{D76B855D-E9CC-4FF8-AD85-6CDC7B89A0DE}" type="slidenum">
-              <a:rPr lang="en-GB" smtClean="0"/>
-              <a:pPr lvl="0" rtl="0"/>
-              <a:t>13</a:t>
-            </a:fld>
-            <a:endParaRPr lang="en-GB"/>
-          </a:p>
-        </p:txBody>
-      </p:sp>
-      <p:sp>
-        <p:nvSpPr>
-          <p:cNvPr id="3" name="Content Placeholder 2">
-            <a:extLst>
-              <a:ext uri="{FF2B5EF4-FFF2-40B4-BE49-F238E27FC236}">
-                <a16:creationId xmlns:a16="http://schemas.microsoft.com/office/drawing/2014/main" id="{21F0B6E0-1F7C-4E6A-87B1-554ADE739CD1}"/>
-              </a:ext>
-            </a:extLst>
-          </p:cNvPr>
-          <p:cNvSpPr>
-            <a:spLocks noGrp="1"/>
-          </p:cNvSpPr>
-          <p:nvPr>
-            <p:ph idx="1"/>
-          </p:nvPr>
-        </p:nvSpPr>
-        <p:spPr/>
-        <p:txBody>
-          <a:bodyPr rtlCol="0"/>
-          <a:lstStyle/>
-          <a:p>
-            <a:pPr rtl="0"/>
-            <a:r>
-              <a:rPr lang="en-GB"/>
-              <a:t>Presenter name</a:t>
-            </a:r>
-          </a:p>
-          <a:p>
-            <a:pPr rtl="0">
-              <a:spcBef>
-                <a:spcPts val="3000"/>
-              </a:spcBef>
-            </a:pPr>
-            <a:r>
-              <a:rPr lang="en-GB" sz="1800"/>
-              <a:t>Email address</a:t>
-            </a:r>
-          </a:p>
-          <a:p>
-            <a:pPr rtl="0">
-              <a:spcBef>
-                <a:spcPts val="3000"/>
-              </a:spcBef>
-            </a:pPr>
-            <a:r>
-              <a:rPr lang="en-GB" sz="1800"/>
-              <a:t>Website</a:t>
-            </a:r>
-          </a:p>
-          <a:p>
-            <a:pPr rtl="0"/>
-            <a:endParaRPr lang="en-GB"/>
-          </a:p>
-        </p:txBody>
-      </p:sp>
-    </p:spTree>
-    <p:extLst>
-      <p:ext uri="{BB962C8B-B14F-4D97-AF65-F5344CB8AC3E}">
-        <p14:creationId xmlns:p14="http://schemas.microsoft.com/office/powerpoint/2010/main" val="962258905"/>
-      </p:ext>
-    </p:extLst>
-  </p:cSld>
-  <p:clrMapOvr>
-    <a:masterClrMapping/>
-  </p:clrMapOvr>
-</p:sld>
-</file>
-
 <file path=ppt/slides/slide2.xml><?xml version="1.0" encoding="utf-8"?>
 <p:sld xmlns:a="http://schemas.openxmlformats.org/drawingml/2006/main" xmlns:r="http://schemas.openxmlformats.org/officeDocument/2006/relationships" xmlns:p="http://schemas.openxmlformats.org/presentationml/2006/main">
   <p:cSld>
@@ -15456,6 +13842,186 @@
   <p:clrMapOvr>
     <a:masterClrMapping/>
   </p:clrMapOvr>
+  <p:timing>
+    <p:tnLst>
+      <p:par>
+        <p:cTn id="1" dur="indefinite" restart="never" nodeType="tmRoot">
+          <p:childTnLst>
+            <p:seq concurrent="1" nextAc="seek">
+              <p:cTn id="2" dur="indefinite" nodeType="mainSeq">
+                <p:childTnLst>
+                  <p:par>
+                    <p:cTn id="3" fill="hold">
+                      <p:stCondLst>
+                        <p:cond delay="indefinite"/>
+                      </p:stCondLst>
+                      <p:childTnLst>
+                        <p:par>
+                          <p:cTn id="4" fill="hold">
+                            <p:stCondLst>
+                              <p:cond delay="0"/>
+                            </p:stCondLst>
+                            <p:childTnLst>
+                              <p:par>
+                                <p:cTn id="5" presetID="1" presetClass="entr" presetSubtype="0" fill="hold" grpId="0" nodeType="clickEffect">
+                                  <p:stCondLst>
+                                    <p:cond delay="0"/>
+                                  </p:stCondLst>
+                                  <p:childTnLst>
+                                    <p:set>
+                                      <p:cBhvr>
+                                        <p:cTn id="6" dur="1" fill="hold">
+                                          <p:stCondLst>
+                                            <p:cond delay="0"/>
+                                          </p:stCondLst>
+                                        </p:cTn>
+                                        <p:tgtEl>
+                                          <p:spTgt spid="3">
+                                            <p:txEl>
+                                              <p:pRg st="0" end="0"/>
+                                            </p:txEl>
+                                          </p:spTgt>
+                                        </p:tgtEl>
+                                        <p:attrNameLst>
+                                          <p:attrName>style.visibility</p:attrName>
+                                        </p:attrNameLst>
+                                      </p:cBhvr>
+                                      <p:to>
+                                        <p:strVal val="visible"/>
+                                      </p:to>
+                                    </p:set>
+                                  </p:childTnLst>
+                                </p:cTn>
+                              </p:par>
+                            </p:childTnLst>
+                          </p:cTn>
+                        </p:par>
+                      </p:childTnLst>
+                    </p:cTn>
+                  </p:par>
+                  <p:par>
+                    <p:cTn id="7" fill="hold">
+                      <p:stCondLst>
+                        <p:cond delay="indefinite"/>
+                      </p:stCondLst>
+                      <p:childTnLst>
+                        <p:par>
+                          <p:cTn id="8" fill="hold">
+                            <p:stCondLst>
+                              <p:cond delay="0"/>
+                            </p:stCondLst>
+                            <p:childTnLst>
+                              <p:par>
+                                <p:cTn id="9" presetID="1" presetClass="entr" presetSubtype="0" fill="hold" grpId="0" nodeType="clickEffect">
+                                  <p:stCondLst>
+                                    <p:cond delay="0"/>
+                                  </p:stCondLst>
+                                  <p:childTnLst>
+                                    <p:set>
+                                      <p:cBhvr>
+                                        <p:cTn id="10" dur="1" fill="hold">
+                                          <p:stCondLst>
+                                            <p:cond delay="0"/>
+                                          </p:stCondLst>
+                                        </p:cTn>
+                                        <p:tgtEl>
+                                          <p:spTgt spid="3">
+                                            <p:txEl>
+                                              <p:pRg st="1" end="1"/>
+                                            </p:txEl>
+                                          </p:spTgt>
+                                        </p:tgtEl>
+                                        <p:attrNameLst>
+                                          <p:attrName>style.visibility</p:attrName>
+                                        </p:attrNameLst>
+                                      </p:cBhvr>
+                                      <p:to>
+                                        <p:strVal val="visible"/>
+                                      </p:to>
+                                    </p:set>
+                                  </p:childTnLst>
+                                </p:cTn>
+                              </p:par>
+                            </p:childTnLst>
+                          </p:cTn>
+                        </p:par>
+                      </p:childTnLst>
+                    </p:cTn>
+                  </p:par>
+                  <p:par>
+                    <p:cTn id="11" fill="hold">
+                      <p:stCondLst>
+                        <p:cond delay="indefinite"/>
+                      </p:stCondLst>
+                      <p:childTnLst>
+                        <p:par>
+                          <p:cTn id="12" fill="hold">
+                            <p:stCondLst>
+                              <p:cond delay="0"/>
+                            </p:stCondLst>
+                            <p:childTnLst>
+                              <p:par>
+                                <p:cTn id="13" presetID="1" presetClass="entr" presetSubtype="0" fill="hold" grpId="0" nodeType="clickEffect">
+                                  <p:stCondLst>
+                                    <p:cond delay="0"/>
+                                  </p:stCondLst>
+                                  <p:childTnLst>
+                                    <p:set>
+                                      <p:cBhvr>
+                                        <p:cTn id="14" dur="1" fill="hold">
+                                          <p:stCondLst>
+                                            <p:cond delay="0"/>
+                                          </p:stCondLst>
+                                        </p:cTn>
+                                        <p:tgtEl>
+                                          <p:spTgt spid="3">
+                                            <p:txEl>
+                                              <p:pRg st="2" end="2"/>
+                                            </p:txEl>
+                                          </p:spTgt>
+                                        </p:tgtEl>
+                                        <p:attrNameLst>
+                                          <p:attrName>style.visibility</p:attrName>
+                                        </p:attrNameLst>
+                                      </p:cBhvr>
+                                      <p:to>
+                                        <p:strVal val="visible"/>
+                                      </p:to>
+                                    </p:set>
+                                  </p:childTnLst>
+                                </p:cTn>
+                              </p:par>
+                            </p:childTnLst>
+                          </p:cTn>
+                        </p:par>
+                      </p:childTnLst>
+                    </p:cTn>
+                  </p:par>
+                </p:childTnLst>
+              </p:cTn>
+              <p:prevCondLst>
+                <p:cond evt="onPrev" delay="0">
+                  <p:tgtEl>
+                    <p:sldTgt/>
+                  </p:tgtEl>
+                </p:cond>
+              </p:prevCondLst>
+              <p:nextCondLst>
+                <p:cond evt="onNext" delay="0">
+                  <p:tgtEl>
+                    <p:sldTgt/>
+                  </p:tgtEl>
+                </p:cond>
+              </p:nextCondLst>
+            </p:seq>
+          </p:childTnLst>
+        </p:cTn>
+      </p:par>
+    </p:tnLst>
+    <p:bldLst>
+      <p:bldP spid="3" grpId="0" build="p"/>
+    </p:bldLst>
+  </p:timing>
 </p:sld>
 </file>
 
@@ -16043,6 +14609,217 @@
   <p:clrMapOvr>
     <a:masterClrMapping/>
   </p:clrMapOvr>
+  <p:timing>
+    <p:tnLst>
+      <p:par>
+        <p:cTn id="1" dur="indefinite" restart="never" nodeType="tmRoot">
+          <p:childTnLst>
+            <p:seq concurrent="1" nextAc="seek">
+              <p:cTn id="2" dur="indefinite" nodeType="mainSeq">
+                <p:childTnLst>
+                  <p:par>
+                    <p:cTn id="3" fill="hold">
+                      <p:stCondLst>
+                        <p:cond delay="indefinite"/>
+                      </p:stCondLst>
+                      <p:childTnLst>
+                        <p:par>
+                          <p:cTn id="4" fill="hold">
+                            <p:stCondLst>
+                              <p:cond delay="0"/>
+                            </p:stCondLst>
+                            <p:childTnLst>
+                              <p:par>
+                                <p:cTn id="5" presetID="1" presetClass="entr" presetSubtype="0" fill="hold" grpId="0" nodeType="clickEffect">
+                                  <p:stCondLst>
+                                    <p:cond delay="0"/>
+                                  </p:stCondLst>
+                                  <p:childTnLst>
+                                    <p:set>
+                                      <p:cBhvr>
+                                        <p:cTn id="6" dur="1" fill="hold">
+                                          <p:stCondLst>
+                                            <p:cond delay="0"/>
+                                          </p:stCondLst>
+                                        </p:cTn>
+                                        <p:tgtEl>
+                                          <p:spTgt spid="5">
+                                            <p:txEl>
+                                              <p:pRg st="0" end="0"/>
+                                            </p:txEl>
+                                          </p:spTgt>
+                                        </p:tgtEl>
+                                        <p:attrNameLst>
+                                          <p:attrName>style.visibility</p:attrName>
+                                        </p:attrNameLst>
+                                      </p:cBhvr>
+                                      <p:to>
+                                        <p:strVal val="visible"/>
+                                      </p:to>
+                                    </p:set>
+                                  </p:childTnLst>
+                                </p:cTn>
+                              </p:par>
+                            </p:childTnLst>
+                          </p:cTn>
+                        </p:par>
+                      </p:childTnLst>
+                    </p:cTn>
+                  </p:par>
+                  <p:par>
+                    <p:cTn id="7" fill="hold">
+                      <p:stCondLst>
+                        <p:cond delay="indefinite"/>
+                      </p:stCondLst>
+                      <p:childTnLst>
+                        <p:par>
+                          <p:cTn id="8" fill="hold">
+                            <p:stCondLst>
+                              <p:cond delay="0"/>
+                            </p:stCondLst>
+                            <p:childTnLst>
+                              <p:par>
+                                <p:cTn id="9" presetID="1" presetClass="entr" presetSubtype="0" fill="hold" grpId="0" nodeType="clickEffect">
+                                  <p:stCondLst>
+                                    <p:cond delay="0"/>
+                                  </p:stCondLst>
+                                  <p:childTnLst>
+                                    <p:set>
+                                      <p:cBhvr>
+                                        <p:cTn id="10" dur="1" fill="hold">
+                                          <p:stCondLst>
+                                            <p:cond delay="0"/>
+                                          </p:stCondLst>
+                                        </p:cTn>
+                                        <p:tgtEl>
+                                          <p:spTgt spid="5">
+                                            <p:txEl>
+                                              <p:pRg st="1" end="1"/>
+                                            </p:txEl>
+                                          </p:spTgt>
+                                        </p:tgtEl>
+                                        <p:attrNameLst>
+                                          <p:attrName>style.visibility</p:attrName>
+                                        </p:attrNameLst>
+                                      </p:cBhvr>
+                                      <p:to>
+                                        <p:strVal val="visible"/>
+                                      </p:to>
+                                    </p:set>
+                                  </p:childTnLst>
+                                </p:cTn>
+                              </p:par>
+                            </p:childTnLst>
+                          </p:cTn>
+                        </p:par>
+                      </p:childTnLst>
+                    </p:cTn>
+                  </p:par>
+                  <p:par>
+                    <p:cTn id="11" fill="hold">
+                      <p:stCondLst>
+                        <p:cond delay="indefinite"/>
+                      </p:stCondLst>
+                      <p:childTnLst>
+                        <p:par>
+                          <p:cTn id="12" fill="hold">
+                            <p:stCondLst>
+                              <p:cond delay="0"/>
+                            </p:stCondLst>
+                            <p:childTnLst>
+                              <p:par>
+                                <p:cTn id="13" presetID="1" presetClass="entr" presetSubtype="0" fill="hold" grpId="0" nodeType="clickEffect">
+                                  <p:stCondLst>
+                                    <p:cond delay="0"/>
+                                  </p:stCondLst>
+                                  <p:childTnLst>
+                                    <p:set>
+                                      <p:cBhvr>
+                                        <p:cTn id="14" dur="1" fill="hold">
+                                          <p:stCondLst>
+                                            <p:cond delay="0"/>
+                                          </p:stCondLst>
+                                        </p:cTn>
+                                        <p:tgtEl>
+                                          <p:spTgt spid="5">
+                                            <p:txEl>
+                                              <p:pRg st="4" end="4"/>
+                                            </p:txEl>
+                                          </p:spTgt>
+                                        </p:tgtEl>
+                                        <p:attrNameLst>
+                                          <p:attrName>style.visibility</p:attrName>
+                                        </p:attrNameLst>
+                                      </p:cBhvr>
+                                      <p:to>
+                                        <p:strVal val="visible"/>
+                                      </p:to>
+                                    </p:set>
+                                  </p:childTnLst>
+                                </p:cTn>
+                              </p:par>
+                              <p:par>
+                                <p:cTn id="15" presetID="1" presetClass="entr" presetSubtype="0" fill="hold" grpId="0" nodeType="withEffect">
+                                  <p:stCondLst>
+                                    <p:cond delay="0"/>
+                                  </p:stCondLst>
+                                  <p:childTnLst>
+                                    <p:set>
+                                      <p:cBhvr>
+                                        <p:cTn id="16" dur="1" fill="hold">
+                                          <p:stCondLst>
+                                            <p:cond delay="0"/>
+                                          </p:stCondLst>
+                                        </p:cTn>
+                                        <p:tgtEl>
+                                          <p:spTgt spid="5">
+                                            <p:txEl>
+                                              <p:pRg st="5" end="5"/>
+                                            </p:txEl>
+                                          </p:spTgt>
+                                        </p:tgtEl>
+                                        <p:attrNameLst>
+                                          <p:attrName>style.visibility</p:attrName>
+                                        </p:attrNameLst>
+                                      </p:cBhvr>
+                                      <p:to>
+                                        <p:strVal val="visible"/>
+                                      </p:to>
+                                    </p:set>
+                                  </p:childTnLst>
+                                </p:cTn>
+                              </p:par>
+                            </p:childTnLst>
+                          </p:cTn>
+                        </p:par>
+                      </p:childTnLst>
+                    </p:cTn>
+                  </p:par>
+                </p:childTnLst>
+              </p:cTn>
+              <p:prevCondLst>
+                <p:cond evt="onPrev" delay="0">
+                  <p:tgtEl>
+                    <p:sldTgt/>
+                  </p:tgtEl>
+                </p:cond>
+              </p:prevCondLst>
+              <p:nextCondLst>
+                <p:cond evt="onNext" delay="0">
+                  <p:tgtEl>
+                    <p:sldTgt/>
+                  </p:tgtEl>
+                </p:cond>
+              </p:nextCondLst>
+            </p:seq>
+          </p:childTnLst>
+        </p:cTn>
+      </p:par>
+    </p:tnLst>
+    <p:bldLst>
+      <p:bldP spid="5" grpId="0" build="p"/>
+    </p:bldLst>
+  </p:timing>
 </p:sld>
 </file>
 
@@ -16383,6 +15160,387 @@
   <p:clrMapOvr>
     <a:masterClrMapping/>
   </p:clrMapOvr>
+  <p:timing>
+    <p:tnLst>
+      <p:par>
+        <p:cTn id="1" dur="indefinite" restart="never" nodeType="tmRoot">
+          <p:childTnLst>
+            <p:seq concurrent="1" nextAc="seek">
+              <p:cTn id="2" dur="indefinite" nodeType="mainSeq">
+                <p:childTnLst>
+                  <p:par>
+                    <p:cTn id="3" fill="hold">
+                      <p:stCondLst>
+                        <p:cond delay="indefinite"/>
+                      </p:stCondLst>
+                      <p:childTnLst>
+                        <p:par>
+                          <p:cTn id="4" fill="hold">
+                            <p:stCondLst>
+                              <p:cond delay="0"/>
+                            </p:stCondLst>
+                            <p:childTnLst>
+                              <p:par>
+                                <p:cTn id="5" presetID="1" presetClass="entr" presetSubtype="0" fill="hold" grpId="0" nodeType="clickEffect">
+                                  <p:stCondLst>
+                                    <p:cond delay="0"/>
+                                  </p:stCondLst>
+                                  <p:childTnLst>
+                                    <p:set>
+                                      <p:cBhvr>
+                                        <p:cTn id="6" dur="1" fill="hold">
+                                          <p:stCondLst>
+                                            <p:cond delay="0"/>
+                                          </p:stCondLst>
+                                        </p:cTn>
+                                        <p:tgtEl>
+                                          <p:spTgt spid="3">
+                                            <p:txEl>
+                                              <p:pRg st="0" end="0"/>
+                                            </p:txEl>
+                                          </p:spTgt>
+                                        </p:tgtEl>
+                                        <p:attrNameLst>
+                                          <p:attrName>style.visibility</p:attrName>
+                                        </p:attrNameLst>
+                                      </p:cBhvr>
+                                      <p:to>
+                                        <p:strVal val="visible"/>
+                                      </p:to>
+                                    </p:set>
+                                  </p:childTnLst>
+                                </p:cTn>
+                              </p:par>
+                            </p:childTnLst>
+                          </p:cTn>
+                        </p:par>
+                      </p:childTnLst>
+                    </p:cTn>
+                  </p:par>
+                  <p:par>
+                    <p:cTn id="7" fill="hold">
+                      <p:stCondLst>
+                        <p:cond delay="indefinite"/>
+                      </p:stCondLst>
+                      <p:childTnLst>
+                        <p:par>
+                          <p:cTn id="8" fill="hold">
+                            <p:stCondLst>
+                              <p:cond delay="0"/>
+                            </p:stCondLst>
+                            <p:childTnLst>
+                              <p:par>
+                                <p:cTn id="9" presetID="1" presetClass="entr" presetSubtype="0" fill="hold" grpId="0" nodeType="clickEffect">
+                                  <p:stCondLst>
+                                    <p:cond delay="0"/>
+                                  </p:stCondLst>
+                                  <p:childTnLst>
+                                    <p:set>
+                                      <p:cBhvr>
+                                        <p:cTn id="10" dur="1" fill="hold">
+                                          <p:stCondLst>
+                                            <p:cond delay="0"/>
+                                          </p:stCondLst>
+                                        </p:cTn>
+                                        <p:tgtEl>
+                                          <p:spTgt spid="4">
+                                            <p:txEl>
+                                              <p:pRg st="0" end="0"/>
+                                            </p:txEl>
+                                          </p:spTgt>
+                                        </p:tgtEl>
+                                        <p:attrNameLst>
+                                          <p:attrName>style.visibility</p:attrName>
+                                        </p:attrNameLst>
+                                      </p:cBhvr>
+                                      <p:to>
+                                        <p:strVal val="visible"/>
+                                      </p:to>
+                                    </p:set>
+                                  </p:childTnLst>
+                                </p:cTn>
+                              </p:par>
+                              <p:par>
+                                <p:cTn id="11" presetID="1" presetClass="entr" presetSubtype="0" fill="hold" grpId="0" nodeType="withEffect">
+                                  <p:stCondLst>
+                                    <p:cond delay="0"/>
+                                  </p:stCondLst>
+                                  <p:childTnLst>
+                                    <p:set>
+                                      <p:cBhvr>
+                                        <p:cTn id="12" dur="1" fill="hold">
+                                          <p:stCondLst>
+                                            <p:cond delay="0"/>
+                                          </p:stCondLst>
+                                        </p:cTn>
+                                        <p:tgtEl>
+                                          <p:spTgt spid="4">
+                                            <p:txEl>
+                                              <p:pRg st="1" end="1"/>
+                                            </p:txEl>
+                                          </p:spTgt>
+                                        </p:tgtEl>
+                                        <p:attrNameLst>
+                                          <p:attrName>style.visibility</p:attrName>
+                                        </p:attrNameLst>
+                                      </p:cBhvr>
+                                      <p:to>
+                                        <p:strVal val="visible"/>
+                                      </p:to>
+                                    </p:set>
+                                  </p:childTnLst>
+                                </p:cTn>
+                              </p:par>
+                              <p:par>
+                                <p:cTn id="13" presetID="1" presetClass="entr" presetSubtype="0" fill="hold" grpId="0" nodeType="withEffect">
+                                  <p:stCondLst>
+                                    <p:cond delay="0"/>
+                                  </p:stCondLst>
+                                  <p:childTnLst>
+                                    <p:set>
+                                      <p:cBhvr>
+                                        <p:cTn id="14" dur="1" fill="hold">
+                                          <p:stCondLst>
+                                            <p:cond delay="0"/>
+                                          </p:stCondLst>
+                                        </p:cTn>
+                                        <p:tgtEl>
+                                          <p:spTgt spid="4">
+                                            <p:txEl>
+                                              <p:pRg st="2" end="2"/>
+                                            </p:txEl>
+                                          </p:spTgt>
+                                        </p:tgtEl>
+                                        <p:attrNameLst>
+                                          <p:attrName>style.visibility</p:attrName>
+                                        </p:attrNameLst>
+                                      </p:cBhvr>
+                                      <p:to>
+                                        <p:strVal val="visible"/>
+                                      </p:to>
+                                    </p:set>
+                                  </p:childTnLst>
+                                </p:cTn>
+                              </p:par>
+                              <p:par>
+                                <p:cTn id="15" presetID="1" presetClass="entr" presetSubtype="0" fill="hold" grpId="0" nodeType="withEffect">
+                                  <p:stCondLst>
+                                    <p:cond delay="0"/>
+                                  </p:stCondLst>
+                                  <p:childTnLst>
+                                    <p:set>
+                                      <p:cBhvr>
+                                        <p:cTn id="16" dur="1" fill="hold">
+                                          <p:stCondLst>
+                                            <p:cond delay="0"/>
+                                          </p:stCondLst>
+                                        </p:cTn>
+                                        <p:tgtEl>
+                                          <p:spTgt spid="4">
+                                            <p:txEl>
+                                              <p:pRg st="3" end="3"/>
+                                            </p:txEl>
+                                          </p:spTgt>
+                                        </p:tgtEl>
+                                        <p:attrNameLst>
+                                          <p:attrName>style.visibility</p:attrName>
+                                        </p:attrNameLst>
+                                      </p:cBhvr>
+                                      <p:to>
+                                        <p:strVal val="visible"/>
+                                      </p:to>
+                                    </p:set>
+                                  </p:childTnLst>
+                                </p:cTn>
+                              </p:par>
+                            </p:childTnLst>
+                          </p:cTn>
+                        </p:par>
+                      </p:childTnLst>
+                    </p:cTn>
+                  </p:par>
+                  <p:par>
+                    <p:cTn id="17" fill="hold">
+                      <p:stCondLst>
+                        <p:cond delay="indefinite"/>
+                      </p:stCondLst>
+                      <p:childTnLst>
+                        <p:par>
+                          <p:cTn id="18" fill="hold">
+                            <p:stCondLst>
+                              <p:cond delay="0"/>
+                            </p:stCondLst>
+                            <p:childTnLst>
+                              <p:par>
+                                <p:cTn id="19" presetID="1" presetClass="entr" presetSubtype="0" fill="hold" grpId="0" nodeType="clickEffect">
+                                  <p:stCondLst>
+                                    <p:cond delay="0"/>
+                                  </p:stCondLst>
+                                  <p:childTnLst>
+                                    <p:set>
+                                      <p:cBhvr>
+                                        <p:cTn id="20" dur="1" fill="hold">
+                                          <p:stCondLst>
+                                            <p:cond delay="0"/>
+                                          </p:stCondLst>
+                                        </p:cTn>
+                                        <p:tgtEl>
+                                          <p:spTgt spid="4">
+                                            <p:txEl>
+                                              <p:pRg st="4" end="4"/>
+                                            </p:txEl>
+                                          </p:spTgt>
+                                        </p:tgtEl>
+                                        <p:attrNameLst>
+                                          <p:attrName>style.visibility</p:attrName>
+                                        </p:attrNameLst>
+                                      </p:cBhvr>
+                                      <p:to>
+                                        <p:strVal val="visible"/>
+                                      </p:to>
+                                    </p:set>
+                                  </p:childTnLst>
+                                </p:cTn>
+                              </p:par>
+                              <p:par>
+                                <p:cTn id="21" presetID="1" presetClass="entr" presetSubtype="0" fill="hold" grpId="0" nodeType="withEffect">
+                                  <p:stCondLst>
+                                    <p:cond delay="0"/>
+                                  </p:stCondLst>
+                                  <p:childTnLst>
+                                    <p:set>
+                                      <p:cBhvr>
+                                        <p:cTn id="22" dur="1" fill="hold">
+                                          <p:stCondLst>
+                                            <p:cond delay="0"/>
+                                          </p:stCondLst>
+                                        </p:cTn>
+                                        <p:tgtEl>
+                                          <p:spTgt spid="4">
+                                            <p:txEl>
+                                              <p:pRg st="5" end="5"/>
+                                            </p:txEl>
+                                          </p:spTgt>
+                                        </p:tgtEl>
+                                        <p:attrNameLst>
+                                          <p:attrName>style.visibility</p:attrName>
+                                        </p:attrNameLst>
+                                      </p:cBhvr>
+                                      <p:to>
+                                        <p:strVal val="visible"/>
+                                      </p:to>
+                                    </p:set>
+                                  </p:childTnLst>
+                                </p:cTn>
+                              </p:par>
+                            </p:childTnLst>
+                          </p:cTn>
+                        </p:par>
+                      </p:childTnLst>
+                    </p:cTn>
+                  </p:par>
+                  <p:par>
+                    <p:cTn id="23" fill="hold">
+                      <p:stCondLst>
+                        <p:cond delay="indefinite"/>
+                      </p:stCondLst>
+                      <p:childTnLst>
+                        <p:par>
+                          <p:cTn id="24" fill="hold">
+                            <p:stCondLst>
+                              <p:cond delay="0"/>
+                            </p:stCondLst>
+                            <p:childTnLst>
+                              <p:par>
+                                <p:cTn id="25" presetID="1" presetClass="entr" presetSubtype="0" fill="hold" nodeType="clickEffect">
+                                  <p:stCondLst>
+                                    <p:cond delay="0"/>
+                                  </p:stCondLst>
+                                  <p:childTnLst>
+                                    <p:set>
+                                      <p:cBhvr>
+                                        <p:cTn id="26" dur="1" fill="hold">
+                                          <p:stCondLst>
+                                            <p:cond delay="0"/>
+                                          </p:stCondLst>
+                                        </p:cTn>
+                                        <p:tgtEl>
+                                          <p:spTgt spid="2050"/>
+                                        </p:tgtEl>
+                                        <p:attrNameLst>
+                                          <p:attrName>style.visibility</p:attrName>
+                                        </p:attrNameLst>
+                                      </p:cBhvr>
+                                      <p:to>
+                                        <p:strVal val="visible"/>
+                                      </p:to>
+                                    </p:set>
+                                  </p:childTnLst>
+                                </p:cTn>
+                              </p:par>
+                              <p:par>
+                                <p:cTn id="27" presetID="1" presetClass="entr" presetSubtype="0" fill="hold" grpId="0" nodeType="withEffect">
+                                  <p:stCondLst>
+                                    <p:cond delay="0"/>
+                                  </p:stCondLst>
+                                  <p:childTnLst>
+                                    <p:set>
+                                      <p:cBhvr>
+                                        <p:cTn id="28" dur="1" fill="hold">
+                                          <p:stCondLst>
+                                            <p:cond delay="0"/>
+                                          </p:stCondLst>
+                                        </p:cTn>
+                                        <p:tgtEl>
+                                          <p:spTgt spid="4">
+                                            <p:txEl>
+                                              <p:pRg st="6" end="6"/>
+                                            </p:txEl>
+                                          </p:spTgt>
+                                        </p:tgtEl>
+                                        <p:attrNameLst>
+                                          <p:attrName>style.visibility</p:attrName>
+                                        </p:attrNameLst>
+                                      </p:cBhvr>
+                                      <p:to>
+                                        <p:strVal val="visible"/>
+                                      </p:to>
+                                    </p:set>
+                                  </p:childTnLst>
+                                </p:cTn>
+                              </p:par>
+                            </p:childTnLst>
+                          </p:cTn>
+                        </p:par>
+                      </p:childTnLst>
+                    </p:cTn>
+                  </p:par>
+                </p:childTnLst>
+              </p:cTn>
+              <p:prevCondLst>
+                <p:cond evt="onPrev" delay="0">
+                  <p:tgtEl>
+                    <p:sldTgt/>
+                  </p:tgtEl>
+                </p:cond>
+              </p:prevCondLst>
+              <p:nextCondLst>
+                <p:cond evt="onNext" delay="0">
+                  <p:tgtEl>
+                    <p:sldTgt/>
+                  </p:tgtEl>
+                </p:cond>
+              </p:nextCondLst>
+            </p:seq>
+          </p:childTnLst>
+        </p:cTn>
+      </p:par>
+    </p:tnLst>
+    <p:bldLst>
+      <p:bldP spid="3" grpId="0" build="p"/>
+      <p:bldP spid="4" grpId="0" uiExpand="1" build="p"/>
+    </p:bldLst>
+  </p:timing>
 </p:sld>
 </file>
 
@@ -16577,6 +15735,176 @@
   <p:clrMapOvr>
     <a:masterClrMapping/>
   </p:clrMapOvr>
+  <p:timing>
+    <p:tnLst>
+      <p:par>
+        <p:cTn id="1" dur="indefinite" restart="never" nodeType="tmRoot">
+          <p:childTnLst>
+            <p:seq concurrent="1" nextAc="seek">
+              <p:cTn id="2" dur="indefinite" nodeType="mainSeq">
+                <p:childTnLst>
+                  <p:par>
+                    <p:cTn id="3" fill="hold">
+                      <p:stCondLst>
+                        <p:cond delay="indefinite"/>
+                      </p:stCondLst>
+                      <p:childTnLst>
+                        <p:par>
+                          <p:cTn id="4" fill="hold">
+                            <p:stCondLst>
+                              <p:cond delay="0"/>
+                            </p:stCondLst>
+                            <p:childTnLst>
+                              <p:par>
+                                <p:cTn id="5" presetID="1" presetClass="entr" presetSubtype="0" fill="hold" grpId="0" nodeType="clickEffect">
+                                  <p:stCondLst>
+                                    <p:cond delay="0"/>
+                                  </p:stCondLst>
+                                  <p:childTnLst>
+                                    <p:set>
+                                      <p:cBhvr>
+                                        <p:cTn id="6" dur="1" fill="hold">
+                                          <p:stCondLst>
+                                            <p:cond delay="0"/>
+                                          </p:stCondLst>
+                                        </p:cTn>
+                                        <p:tgtEl>
+                                          <p:spTgt spid="10"/>
+                                        </p:tgtEl>
+                                        <p:attrNameLst>
+                                          <p:attrName>style.visibility</p:attrName>
+                                        </p:attrNameLst>
+                                      </p:cBhvr>
+                                      <p:to>
+                                        <p:strVal val="visible"/>
+                                      </p:to>
+                                    </p:set>
+                                  </p:childTnLst>
+                                </p:cTn>
+                              </p:par>
+                            </p:childTnLst>
+                          </p:cTn>
+                        </p:par>
+                      </p:childTnLst>
+                    </p:cTn>
+                  </p:par>
+                  <p:par>
+                    <p:cTn id="7" fill="hold">
+                      <p:stCondLst>
+                        <p:cond delay="indefinite"/>
+                      </p:stCondLst>
+                      <p:childTnLst>
+                        <p:par>
+                          <p:cTn id="8" fill="hold">
+                            <p:stCondLst>
+                              <p:cond delay="0"/>
+                            </p:stCondLst>
+                            <p:childTnLst>
+                              <p:par>
+                                <p:cTn id="9" presetID="1" presetClass="entr" presetSubtype="0" fill="hold" grpId="0" nodeType="clickEffect">
+                                  <p:stCondLst>
+                                    <p:cond delay="0"/>
+                                  </p:stCondLst>
+                                  <p:childTnLst>
+                                    <p:set>
+                                      <p:cBhvr>
+                                        <p:cTn id="10" dur="1" fill="hold">
+                                          <p:stCondLst>
+                                            <p:cond delay="0"/>
+                                          </p:stCondLst>
+                                        </p:cTn>
+                                        <p:tgtEl>
+                                          <p:spTgt spid="11"/>
+                                        </p:tgtEl>
+                                        <p:attrNameLst>
+                                          <p:attrName>style.visibility</p:attrName>
+                                        </p:attrNameLst>
+                                      </p:cBhvr>
+                                      <p:to>
+                                        <p:strVal val="visible"/>
+                                      </p:to>
+                                    </p:set>
+                                  </p:childTnLst>
+                                </p:cTn>
+                              </p:par>
+                            </p:childTnLst>
+                          </p:cTn>
+                        </p:par>
+                      </p:childTnLst>
+                    </p:cTn>
+                  </p:par>
+                  <p:par>
+                    <p:cTn id="11" fill="hold">
+                      <p:stCondLst>
+                        <p:cond delay="indefinite"/>
+                      </p:stCondLst>
+                      <p:childTnLst>
+                        <p:par>
+                          <p:cTn id="12" fill="hold">
+                            <p:stCondLst>
+                              <p:cond delay="0"/>
+                            </p:stCondLst>
+                            <p:childTnLst>
+                              <p:par>
+                                <p:cTn id="13" presetID="1" presetClass="entr" presetSubtype="0" fill="hold" grpId="0" nodeType="clickEffect">
+                                  <p:stCondLst>
+                                    <p:cond delay="0"/>
+                                  </p:stCondLst>
+                                  <p:childTnLst>
+                                    <p:set>
+                                      <p:cBhvr>
+                                        <p:cTn id="14" dur="1" fill="hold">
+                                          <p:stCondLst>
+                                            <p:cond delay="0"/>
+                                          </p:stCondLst>
+                                        </p:cTn>
+                                        <p:tgtEl>
+                                          <p:spTgt spid="12"/>
+                                        </p:tgtEl>
+                                        <p:attrNameLst>
+                                          <p:attrName>style.visibility</p:attrName>
+                                        </p:attrNameLst>
+                                      </p:cBhvr>
+                                      <p:to>
+                                        <p:strVal val="visible"/>
+                                      </p:to>
+                                    </p:set>
+                                  </p:childTnLst>
+                                </p:cTn>
+                              </p:par>
+                            </p:childTnLst>
+                          </p:cTn>
+                        </p:par>
+                      </p:childTnLst>
+                    </p:cTn>
+                  </p:par>
+                </p:childTnLst>
+              </p:cTn>
+              <p:prevCondLst>
+                <p:cond evt="onPrev" delay="0">
+                  <p:tgtEl>
+                    <p:sldTgt/>
+                  </p:tgtEl>
+                </p:cond>
+              </p:prevCondLst>
+              <p:nextCondLst>
+                <p:cond evt="onNext" delay="0">
+                  <p:tgtEl>
+                    <p:sldTgt/>
+                  </p:tgtEl>
+                </p:cond>
+              </p:nextCondLst>
+            </p:seq>
+          </p:childTnLst>
+        </p:cTn>
+      </p:par>
+    </p:tnLst>
+    <p:bldLst>
+      <p:bldP spid="10" grpId="0"/>
+      <p:bldP spid="11" grpId="0"/>
+      <p:bldP spid="12" grpId="0"/>
+    </p:bldLst>
+  </p:timing>
 </p:sld>
 </file>
 
@@ -16963,6 +16291,545 @@
   <p:clrMapOvr>
     <a:masterClrMapping/>
   </p:clrMapOvr>
+  <p:timing>
+    <p:tnLst>
+      <p:par>
+        <p:cTn id="1" dur="indefinite" restart="never" nodeType="tmRoot">
+          <p:childTnLst>
+            <p:seq concurrent="1" nextAc="seek">
+              <p:cTn id="2" dur="indefinite" nodeType="mainSeq">
+                <p:childTnLst>
+                  <p:par>
+                    <p:cTn id="3" fill="hold">
+                      <p:stCondLst>
+                        <p:cond delay="indefinite"/>
+                      </p:stCondLst>
+                      <p:childTnLst>
+                        <p:par>
+                          <p:cTn id="4" fill="hold">
+                            <p:stCondLst>
+                              <p:cond delay="0"/>
+                            </p:stCondLst>
+                            <p:childTnLst>
+                              <p:par>
+                                <p:cTn id="5" presetID="1" presetClass="entr" presetSubtype="0" fill="hold" grpId="0" nodeType="clickEffect">
+                                  <p:stCondLst>
+                                    <p:cond delay="0"/>
+                                  </p:stCondLst>
+                                  <p:childTnLst>
+                                    <p:set>
+                                      <p:cBhvr>
+                                        <p:cTn id="6" dur="1" fill="hold">
+                                          <p:stCondLst>
+                                            <p:cond delay="0"/>
+                                          </p:stCondLst>
+                                        </p:cTn>
+                                        <p:tgtEl>
+                                          <p:spTgt spid="3">
+                                            <p:txEl>
+                                              <p:pRg st="0" end="0"/>
+                                            </p:txEl>
+                                          </p:spTgt>
+                                        </p:tgtEl>
+                                        <p:attrNameLst>
+                                          <p:attrName>style.visibility</p:attrName>
+                                        </p:attrNameLst>
+                                      </p:cBhvr>
+                                      <p:to>
+                                        <p:strVal val="visible"/>
+                                      </p:to>
+                                    </p:set>
+                                  </p:childTnLst>
+                                </p:cTn>
+                              </p:par>
+                            </p:childTnLst>
+                          </p:cTn>
+                        </p:par>
+                      </p:childTnLst>
+                    </p:cTn>
+                  </p:par>
+                  <p:par>
+                    <p:cTn id="7" fill="hold">
+                      <p:stCondLst>
+                        <p:cond delay="indefinite"/>
+                      </p:stCondLst>
+                      <p:childTnLst>
+                        <p:par>
+                          <p:cTn id="8" fill="hold">
+                            <p:stCondLst>
+                              <p:cond delay="0"/>
+                            </p:stCondLst>
+                            <p:childTnLst>
+                              <p:par>
+                                <p:cTn id="9" presetID="1" presetClass="entr" presetSubtype="0" fill="hold" grpId="0" nodeType="clickEffect">
+                                  <p:stCondLst>
+                                    <p:cond delay="0"/>
+                                  </p:stCondLst>
+                                  <p:childTnLst>
+                                    <p:set>
+                                      <p:cBhvr>
+                                        <p:cTn id="10" dur="1" fill="hold">
+                                          <p:stCondLst>
+                                            <p:cond delay="0"/>
+                                          </p:stCondLst>
+                                        </p:cTn>
+                                        <p:tgtEl>
+                                          <p:spTgt spid="4">
+                                            <p:txEl>
+                                              <p:pRg st="0" end="0"/>
+                                            </p:txEl>
+                                          </p:spTgt>
+                                        </p:tgtEl>
+                                        <p:attrNameLst>
+                                          <p:attrName>style.visibility</p:attrName>
+                                        </p:attrNameLst>
+                                      </p:cBhvr>
+                                      <p:to>
+                                        <p:strVal val="visible"/>
+                                      </p:to>
+                                    </p:set>
+                                  </p:childTnLst>
+                                </p:cTn>
+                              </p:par>
+                            </p:childTnLst>
+                          </p:cTn>
+                        </p:par>
+                      </p:childTnLst>
+                    </p:cTn>
+                  </p:par>
+                  <p:par>
+                    <p:cTn id="11" fill="hold">
+                      <p:stCondLst>
+                        <p:cond delay="indefinite"/>
+                      </p:stCondLst>
+                      <p:childTnLst>
+                        <p:par>
+                          <p:cTn id="12" fill="hold">
+                            <p:stCondLst>
+                              <p:cond delay="0"/>
+                            </p:stCondLst>
+                            <p:childTnLst>
+                              <p:par>
+                                <p:cTn id="13" presetID="1" presetClass="entr" presetSubtype="0" fill="hold" grpId="0" nodeType="clickEffect">
+                                  <p:stCondLst>
+                                    <p:cond delay="0"/>
+                                  </p:stCondLst>
+                                  <p:childTnLst>
+                                    <p:set>
+                                      <p:cBhvr>
+                                        <p:cTn id="14" dur="1" fill="hold">
+                                          <p:stCondLst>
+                                            <p:cond delay="0"/>
+                                          </p:stCondLst>
+                                        </p:cTn>
+                                        <p:tgtEl>
+                                          <p:spTgt spid="4">
+                                            <p:txEl>
+                                              <p:pRg st="1" end="1"/>
+                                            </p:txEl>
+                                          </p:spTgt>
+                                        </p:tgtEl>
+                                        <p:attrNameLst>
+                                          <p:attrName>style.visibility</p:attrName>
+                                        </p:attrNameLst>
+                                      </p:cBhvr>
+                                      <p:to>
+                                        <p:strVal val="visible"/>
+                                      </p:to>
+                                    </p:set>
+                                  </p:childTnLst>
+                                </p:cTn>
+                              </p:par>
+                            </p:childTnLst>
+                          </p:cTn>
+                        </p:par>
+                      </p:childTnLst>
+                    </p:cTn>
+                  </p:par>
+                  <p:par>
+                    <p:cTn id="15" fill="hold">
+                      <p:stCondLst>
+                        <p:cond delay="indefinite"/>
+                      </p:stCondLst>
+                      <p:childTnLst>
+                        <p:par>
+                          <p:cTn id="16" fill="hold">
+                            <p:stCondLst>
+                              <p:cond delay="0"/>
+                            </p:stCondLst>
+                            <p:childTnLst>
+                              <p:par>
+                                <p:cTn id="17" presetID="1" presetClass="entr" presetSubtype="0" fill="hold" grpId="0" nodeType="clickEffect">
+                                  <p:stCondLst>
+                                    <p:cond delay="0"/>
+                                  </p:stCondLst>
+                                  <p:childTnLst>
+                                    <p:set>
+                                      <p:cBhvr>
+                                        <p:cTn id="18" dur="1" fill="hold">
+                                          <p:stCondLst>
+                                            <p:cond delay="0"/>
+                                          </p:stCondLst>
+                                        </p:cTn>
+                                        <p:tgtEl>
+                                          <p:spTgt spid="4">
+                                            <p:txEl>
+                                              <p:pRg st="2" end="2"/>
+                                            </p:txEl>
+                                          </p:spTgt>
+                                        </p:tgtEl>
+                                        <p:attrNameLst>
+                                          <p:attrName>style.visibility</p:attrName>
+                                        </p:attrNameLst>
+                                      </p:cBhvr>
+                                      <p:to>
+                                        <p:strVal val="visible"/>
+                                      </p:to>
+                                    </p:set>
+                                  </p:childTnLst>
+                                </p:cTn>
+                              </p:par>
+                            </p:childTnLst>
+                          </p:cTn>
+                        </p:par>
+                      </p:childTnLst>
+                    </p:cTn>
+                  </p:par>
+                  <p:par>
+                    <p:cTn id="19" fill="hold">
+                      <p:stCondLst>
+                        <p:cond delay="indefinite"/>
+                      </p:stCondLst>
+                      <p:childTnLst>
+                        <p:par>
+                          <p:cTn id="20" fill="hold">
+                            <p:stCondLst>
+                              <p:cond delay="0"/>
+                            </p:stCondLst>
+                            <p:childTnLst>
+                              <p:par>
+                                <p:cTn id="21" presetID="1" presetClass="entr" presetSubtype="0" fill="hold" grpId="0" nodeType="clickEffect">
+                                  <p:stCondLst>
+                                    <p:cond delay="0"/>
+                                  </p:stCondLst>
+                                  <p:childTnLst>
+                                    <p:set>
+                                      <p:cBhvr>
+                                        <p:cTn id="22" dur="1" fill="hold">
+                                          <p:stCondLst>
+                                            <p:cond delay="0"/>
+                                          </p:stCondLst>
+                                        </p:cTn>
+                                        <p:tgtEl>
+                                          <p:spTgt spid="4">
+                                            <p:txEl>
+                                              <p:pRg st="3" end="3"/>
+                                            </p:txEl>
+                                          </p:spTgt>
+                                        </p:tgtEl>
+                                        <p:attrNameLst>
+                                          <p:attrName>style.visibility</p:attrName>
+                                        </p:attrNameLst>
+                                      </p:cBhvr>
+                                      <p:to>
+                                        <p:strVal val="visible"/>
+                                      </p:to>
+                                    </p:set>
+                                  </p:childTnLst>
+                                </p:cTn>
+                              </p:par>
+                            </p:childTnLst>
+                          </p:cTn>
+                        </p:par>
+                      </p:childTnLst>
+                    </p:cTn>
+                  </p:par>
+                  <p:par>
+                    <p:cTn id="23" fill="hold">
+                      <p:stCondLst>
+                        <p:cond delay="indefinite"/>
+                      </p:stCondLst>
+                      <p:childTnLst>
+                        <p:par>
+                          <p:cTn id="24" fill="hold">
+                            <p:stCondLst>
+                              <p:cond delay="0"/>
+                            </p:stCondLst>
+                            <p:childTnLst>
+                              <p:par>
+                                <p:cTn id="25" presetID="1" presetClass="entr" presetSubtype="0" fill="hold" grpId="0" nodeType="clickEffect">
+                                  <p:stCondLst>
+                                    <p:cond delay="0"/>
+                                  </p:stCondLst>
+                                  <p:childTnLst>
+                                    <p:set>
+                                      <p:cBhvr>
+                                        <p:cTn id="26" dur="1" fill="hold">
+                                          <p:stCondLst>
+                                            <p:cond delay="0"/>
+                                          </p:stCondLst>
+                                        </p:cTn>
+                                        <p:tgtEl>
+                                          <p:spTgt spid="4">
+                                            <p:txEl>
+                                              <p:pRg st="4" end="4"/>
+                                            </p:txEl>
+                                          </p:spTgt>
+                                        </p:tgtEl>
+                                        <p:attrNameLst>
+                                          <p:attrName>style.visibility</p:attrName>
+                                        </p:attrNameLst>
+                                      </p:cBhvr>
+                                      <p:to>
+                                        <p:strVal val="visible"/>
+                                      </p:to>
+                                    </p:set>
+                                  </p:childTnLst>
+                                </p:cTn>
+                              </p:par>
+                            </p:childTnLst>
+                          </p:cTn>
+                        </p:par>
+                      </p:childTnLst>
+                    </p:cTn>
+                  </p:par>
+                  <p:par>
+                    <p:cTn id="27" fill="hold">
+                      <p:stCondLst>
+                        <p:cond delay="indefinite"/>
+                      </p:stCondLst>
+                      <p:childTnLst>
+                        <p:par>
+                          <p:cTn id="28" fill="hold">
+                            <p:stCondLst>
+                              <p:cond delay="0"/>
+                            </p:stCondLst>
+                            <p:childTnLst>
+                              <p:par>
+                                <p:cTn id="29" presetID="1" presetClass="entr" presetSubtype="0" fill="hold" grpId="0" nodeType="clickEffect">
+                                  <p:stCondLst>
+                                    <p:cond delay="0"/>
+                                  </p:stCondLst>
+                                  <p:childTnLst>
+                                    <p:set>
+                                      <p:cBhvr>
+                                        <p:cTn id="30" dur="1" fill="hold">
+                                          <p:stCondLst>
+                                            <p:cond delay="0"/>
+                                          </p:stCondLst>
+                                        </p:cTn>
+                                        <p:tgtEl>
+                                          <p:spTgt spid="5">
+                                            <p:txEl>
+                                              <p:pRg st="0" end="0"/>
+                                            </p:txEl>
+                                          </p:spTgt>
+                                        </p:tgtEl>
+                                        <p:attrNameLst>
+                                          <p:attrName>style.visibility</p:attrName>
+                                        </p:attrNameLst>
+                                      </p:cBhvr>
+                                      <p:to>
+                                        <p:strVal val="visible"/>
+                                      </p:to>
+                                    </p:set>
+                                  </p:childTnLst>
+                                </p:cTn>
+                              </p:par>
+                            </p:childTnLst>
+                          </p:cTn>
+                        </p:par>
+                      </p:childTnLst>
+                    </p:cTn>
+                  </p:par>
+                  <p:par>
+                    <p:cTn id="31" fill="hold">
+                      <p:stCondLst>
+                        <p:cond delay="indefinite"/>
+                      </p:stCondLst>
+                      <p:childTnLst>
+                        <p:par>
+                          <p:cTn id="32" fill="hold">
+                            <p:stCondLst>
+                              <p:cond delay="0"/>
+                            </p:stCondLst>
+                            <p:childTnLst>
+                              <p:par>
+                                <p:cTn id="33" presetID="1" presetClass="entr" presetSubtype="0" fill="hold" grpId="0" nodeType="clickEffect">
+                                  <p:stCondLst>
+                                    <p:cond delay="0"/>
+                                  </p:stCondLst>
+                                  <p:childTnLst>
+                                    <p:set>
+                                      <p:cBhvr>
+                                        <p:cTn id="34" dur="1" fill="hold">
+                                          <p:stCondLst>
+                                            <p:cond delay="0"/>
+                                          </p:stCondLst>
+                                        </p:cTn>
+                                        <p:tgtEl>
+                                          <p:spTgt spid="6">
+                                            <p:txEl>
+                                              <p:pRg st="0" end="0"/>
+                                            </p:txEl>
+                                          </p:spTgt>
+                                        </p:tgtEl>
+                                        <p:attrNameLst>
+                                          <p:attrName>style.visibility</p:attrName>
+                                        </p:attrNameLst>
+                                      </p:cBhvr>
+                                      <p:to>
+                                        <p:strVal val="visible"/>
+                                      </p:to>
+                                    </p:set>
+                                  </p:childTnLst>
+                                </p:cTn>
+                              </p:par>
+                              <p:par>
+                                <p:cTn id="35" presetID="1" presetClass="entr" presetSubtype="0" fill="hold" grpId="0" nodeType="withEffect">
+                                  <p:stCondLst>
+                                    <p:cond delay="0"/>
+                                  </p:stCondLst>
+                                  <p:childTnLst>
+                                    <p:set>
+                                      <p:cBhvr>
+                                        <p:cTn id="36" dur="1" fill="hold">
+                                          <p:stCondLst>
+                                            <p:cond delay="0"/>
+                                          </p:stCondLst>
+                                        </p:cTn>
+                                        <p:tgtEl>
+                                          <p:spTgt spid="6">
+                                            <p:txEl>
+                                              <p:pRg st="1" end="1"/>
+                                            </p:txEl>
+                                          </p:spTgt>
+                                        </p:tgtEl>
+                                        <p:attrNameLst>
+                                          <p:attrName>style.visibility</p:attrName>
+                                        </p:attrNameLst>
+                                      </p:cBhvr>
+                                      <p:to>
+                                        <p:strVal val="visible"/>
+                                      </p:to>
+                                    </p:set>
+                                  </p:childTnLst>
+                                </p:cTn>
+                              </p:par>
+                              <p:par>
+                                <p:cTn id="37" presetID="1" presetClass="entr" presetSubtype="0" fill="hold" grpId="0" nodeType="withEffect">
+                                  <p:stCondLst>
+                                    <p:cond delay="0"/>
+                                  </p:stCondLst>
+                                  <p:childTnLst>
+                                    <p:set>
+                                      <p:cBhvr>
+                                        <p:cTn id="38" dur="1" fill="hold">
+                                          <p:stCondLst>
+                                            <p:cond delay="0"/>
+                                          </p:stCondLst>
+                                        </p:cTn>
+                                        <p:tgtEl>
+                                          <p:spTgt spid="6">
+                                            <p:txEl>
+                                              <p:pRg st="2" end="2"/>
+                                            </p:txEl>
+                                          </p:spTgt>
+                                        </p:tgtEl>
+                                        <p:attrNameLst>
+                                          <p:attrName>style.visibility</p:attrName>
+                                        </p:attrNameLst>
+                                      </p:cBhvr>
+                                      <p:to>
+                                        <p:strVal val="visible"/>
+                                      </p:to>
+                                    </p:set>
+                                  </p:childTnLst>
+                                </p:cTn>
+                              </p:par>
+                            </p:childTnLst>
+                          </p:cTn>
+                        </p:par>
+                      </p:childTnLst>
+                    </p:cTn>
+                  </p:par>
+                  <p:par>
+                    <p:cTn id="39" fill="hold">
+                      <p:stCondLst>
+                        <p:cond delay="indefinite"/>
+                      </p:stCondLst>
+                      <p:childTnLst>
+                        <p:par>
+                          <p:cTn id="40" fill="hold">
+                            <p:stCondLst>
+                              <p:cond delay="0"/>
+                            </p:stCondLst>
+                            <p:childTnLst>
+                              <p:par>
+                                <p:cTn id="41" presetID="1" presetClass="entr" presetSubtype="0" fill="hold" grpId="0" nodeType="clickEffect">
+                                  <p:stCondLst>
+                                    <p:cond delay="0"/>
+                                  </p:stCondLst>
+                                  <p:childTnLst>
+                                    <p:set>
+                                      <p:cBhvr>
+                                        <p:cTn id="42" dur="1" fill="hold">
+                                          <p:stCondLst>
+                                            <p:cond delay="0"/>
+                                          </p:stCondLst>
+                                        </p:cTn>
+                                        <p:tgtEl>
+                                          <p:spTgt spid="6">
+                                            <p:txEl>
+                                              <p:pRg st="3" end="3"/>
+                                            </p:txEl>
+                                          </p:spTgt>
+                                        </p:tgtEl>
+                                        <p:attrNameLst>
+                                          <p:attrName>style.visibility</p:attrName>
+                                        </p:attrNameLst>
+                                      </p:cBhvr>
+                                      <p:to>
+                                        <p:strVal val="visible"/>
+                                      </p:to>
+                                    </p:set>
+                                  </p:childTnLst>
+                                </p:cTn>
+                              </p:par>
+                            </p:childTnLst>
+                          </p:cTn>
+                        </p:par>
+                      </p:childTnLst>
+                    </p:cTn>
+                  </p:par>
+                </p:childTnLst>
+              </p:cTn>
+              <p:prevCondLst>
+                <p:cond evt="onPrev" delay="0">
+                  <p:tgtEl>
+                    <p:sldTgt/>
+                  </p:tgtEl>
+                </p:cond>
+              </p:prevCondLst>
+              <p:nextCondLst>
+                <p:cond evt="onNext" delay="0">
+                  <p:tgtEl>
+                    <p:sldTgt/>
+                  </p:tgtEl>
+                </p:cond>
+              </p:nextCondLst>
+            </p:seq>
+          </p:childTnLst>
+        </p:cTn>
+      </p:par>
+    </p:tnLst>
+    <p:bldLst>
+      <p:bldP spid="3" grpId="0" build="p"/>
+      <p:bldP spid="4" grpId="0" build="p"/>
+      <p:bldP spid="5" grpId="0" build="p"/>
+      <p:bldP spid="6" grpId="0" build="p"/>
+    </p:bldLst>
+  </p:timing>
 </p:sld>
 </file>
 
@@ -17209,8 +17076,8 @@
           </a:p>
         </p:txBody>
       </p:sp>
-      <mc:AlternateContent xmlns:mc="http://schemas.openxmlformats.org/markup-compatibility/2006">
-        <mc:Choice xmlns:a14="http://schemas.microsoft.com/office/drawing/2010/main" Requires="a14">
+      <mc:AlternateContent xmlns:mc="http://schemas.openxmlformats.org/markup-compatibility/2006" xmlns:a14="http://schemas.microsoft.com/office/drawing/2010/main">
+        <mc:Choice Requires="a14">
           <p:sp>
             <p:nvSpPr>
               <p:cNvPr id="6" name="Content Placeholder 5">
@@ -17347,7 +17214,7 @@
             </p:txBody>
           </p:sp>
         </mc:Choice>
-        <mc:Fallback>
+        <mc:Fallback xmlns="">
           <p:sp>
             <p:nvSpPr>
               <p:cNvPr id="6" name="Content Placeholder 5">
@@ -17518,6 +17385,540 @@
   <p:clrMapOvr>
     <a:masterClrMapping/>
   </p:clrMapOvr>
+  <p:timing>
+    <p:tnLst>
+      <p:par>
+        <p:cTn id="1" dur="indefinite" restart="never" nodeType="tmRoot">
+          <p:childTnLst>
+            <p:seq concurrent="1" nextAc="seek">
+              <p:cTn id="2" dur="indefinite" nodeType="mainSeq">
+                <p:childTnLst>
+                  <p:par>
+                    <p:cTn id="3" fill="hold">
+                      <p:stCondLst>
+                        <p:cond delay="indefinite"/>
+                      </p:stCondLst>
+                      <p:childTnLst>
+                        <p:par>
+                          <p:cTn id="4" fill="hold">
+                            <p:stCondLst>
+                              <p:cond delay="0"/>
+                            </p:stCondLst>
+                            <p:childTnLst>
+                              <p:par>
+                                <p:cTn id="5" presetID="1" presetClass="entr" presetSubtype="0" fill="hold" grpId="0" nodeType="clickEffect">
+                                  <p:stCondLst>
+                                    <p:cond delay="0"/>
+                                  </p:stCondLst>
+                                  <p:childTnLst>
+                                    <p:set>
+                                      <p:cBhvr>
+                                        <p:cTn id="6" dur="1" fill="hold">
+                                          <p:stCondLst>
+                                            <p:cond delay="0"/>
+                                          </p:stCondLst>
+                                        </p:cTn>
+                                        <p:tgtEl>
+                                          <p:spTgt spid="3">
+                                            <p:txEl>
+                                              <p:pRg st="0" end="0"/>
+                                            </p:txEl>
+                                          </p:spTgt>
+                                        </p:tgtEl>
+                                        <p:attrNameLst>
+                                          <p:attrName>style.visibility</p:attrName>
+                                        </p:attrNameLst>
+                                      </p:cBhvr>
+                                      <p:to>
+                                        <p:strVal val="visible"/>
+                                      </p:to>
+                                    </p:set>
+                                  </p:childTnLst>
+                                </p:cTn>
+                              </p:par>
+                            </p:childTnLst>
+                          </p:cTn>
+                        </p:par>
+                      </p:childTnLst>
+                    </p:cTn>
+                  </p:par>
+                  <p:par>
+                    <p:cTn id="7" fill="hold">
+                      <p:stCondLst>
+                        <p:cond delay="indefinite"/>
+                      </p:stCondLst>
+                      <p:childTnLst>
+                        <p:par>
+                          <p:cTn id="8" fill="hold">
+                            <p:stCondLst>
+                              <p:cond delay="0"/>
+                            </p:stCondLst>
+                            <p:childTnLst>
+                              <p:par>
+                                <p:cTn id="9" presetID="1" presetClass="entr" presetSubtype="0" fill="hold" grpId="0" nodeType="clickEffect">
+                                  <p:stCondLst>
+                                    <p:cond delay="0"/>
+                                  </p:stCondLst>
+                                  <p:childTnLst>
+                                    <p:set>
+                                      <p:cBhvr>
+                                        <p:cTn id="10" dur="1" fill="hold">
+                                          <p:stCondLst>
+                                            <p:cond delay="0"/>
+                                          </p:stCondLst>
+                                        </p:cTn>
+                                        <p:tgtEl>
+                                          <p:spTgt spid="4">
+                                            <p:txEl>
+                                              <p:pRg st="0" end="0"/>
+                                            </p:txEl>
+                                          </p:spTgt>
+                                        </p:tgtEl>
+                                        <p:attrNameLst>
+                                          <p:attrName>style.visibility</p:attrName>
+                                        </p:attrNameLst>
+                                      </p:cBhvr>
+                                      <p:to>
+                                        <p:strVal val="visible"/>
+                                      </p:to>
+                                    </p:set>
+                                  </p:childTnLst>
+                                </p:cTn>
+                              </p:par>
+                            </p:childTnLst>
+                          </p:cTn>
+                        </p:par>
+                      </p:childTnLst>
+                    </p:cTn>
+                  </p:par>
+                  <p:par>
+                    <p:cTn id="11" fill="hold">
+                      <p:stCondLst>
+                        <p:cond delay="indefinite"/>
+                      </p:stCondLst>
+                      <p:childTnLst>
+                        <p:par>
+                          <p:cTn id="12" fill="hold">
+                            <p:stCondLst>
+                              <p:cond delay="0"/>
+                            </p:stCondLst>
+                            <p:childTnLst>
+                              <p:par>
+                                <p:cTn id="13" presetID="1" presetClass="entr" presetSubtype="0" fill="hold" grpId="0" nodeType="clickEffect">
+                                  <p:stCondLst>
+                                    <p:cond delay="0"/>
+                                  </p:stCondLst>
+                                  <p:childTnLst>
+                                    <p:set>
+                                      <p:cBhvr>
+                                        <p:cTn id="14" dur="1" fill="hold">
+                                          <p:stCondLst>
+                                            <p:cond delay="0"/>
+                                          </p:stCondLst>
+                                        </p:cTn>
+                                        <p:tgtEl>
+                                          <p:spTgt spid="4">
+                                            <p:txEl>
+                                              <p:pRg st="1" end="1"/>
+                                            </p:txEl>
+                                          </p:spTgt>
+                                        </p:tgtEl>
+                                        <p:attrNameLst>
+                                          <p:attrName>style.visibility</p:attrName>
+                                        </p:attrNameLst>
+                                      </p:cBhvr>
+                                      <p:to>
+                                        <p:strVal val="visible"/>
+                                      </p:to>
+                                    </p:set>
+                                  </p:childTnLst>
+                                </p:cTn>
+                              </p:par>
+                              <p:par>
+                                <p:cTn id="15" presetID="1" presetClass="entr" presetSubtype="0" fill="hold" grpId="0" nodeType="withEffect">
+                                  <p:stCondLst>
+                                    <p:cond delay="0"/>
+                                  </p:stCondLst>
+                                  <p:childTnLst>
+                                    <p:set>
+                                      <p:cBhvr>
+                                        <p:cTn id="16" dur="1" fill="hold">
+                                          <p:stCondLst>
+                                            <p:cond delay="0"/>
+                                          </p:stCondLst>
+                                        </p:cTn>
+                                        <p:tgtEl>
+                                          <p:spTgt spid="4">
+                                            <p:txEl>
+                                              <p:pRg st="2" end="2"/>
+                                            </p:txEl>
+                                          </p:spTgt>
+                                        </p:tgtEl>
+                                        <p:attrNameLst>
+                                          <p:attrName>style.visibility</p:attrName>
+                                        </p:attrNameLst>
+                                      </p:cBhvr>
+                                      <p:to>
+                                        <p:strVal val="visible"/>
+                                      </p:to>
+                                    </p:set>
+                                  </p:childTnLst>
+                                </p:cTn>
+                              </p:par>
+                            </p:childTnLst>
+                          </p:cTn>
+                        </p:par>
+                      </p:childTnLst>
+                    </p:cTn>
+                  </p:par>
+                  <p:par>
+                    <p:cTn id="17" fill="hold">
+                      <p:stCondLst>
+                        <p:cond delay="indefinite"/>
+                      </p:stCondLst>
+                      <p:childTnLst>
+                        <p:par>
+                          <p:cTn id="18" fill="hold">
+                            <p:stCondLst>
+                              <p:cond delay="0"/>
+                            </p:stCondLst>
+                            <p:childTnLst>
+                              <p:par>
+                                <p:cTn id="19" presetID="1" presetClass="entr" presetSubtype="0" fill="hold" grpId="0" nodeType="clickEffect">
+                                  <p:stCondLst>
+                                    <p:cond delay="0"/>
+                                  </p:stCondLst>
+                                  <p:childTnLst>
+                                    <p:set>
+                                      <p:cBhvr>
+                                        <p:cTn id="20" dur="1" fill="hold">
+                                          <p:stCondLst>
+                                            <p:cond delay="0"/>
+                                          </p:stCondLst>
+                                        </p:cTn>
+                                        <p:tgtEl>
+                                          <p:spTgt spid="5">
+                                            <p:txEl>
+                                              <p:pRg st="0" end="0"/>
+                                            </p:txEl>
+                                          </p:spTgt>
+                                        </p:tgtEl>
+                                        <p:attrNameLst>
+                                          <p:attrName>style.visibility</p:attrName>
+                                        </p:attrNameLst>
+                                      </p:cBhvr>
+                                      <p:to>
+                                        <p:strVal val="visible"/>
+                                      </p:to>
+                                    </p:set>
+                                  </p:childTnLst>
+                                </p:cTn>
+                              </p:par>
+                            </p:childTnLst>
+                          </p:cTn>
+                        </p:par>
+                      </p:childTnLst>
+                    </p:cTn>
+                  </p:par>
+                  <p:par>
+                    <p:cTn id="21" fill="hold">
+                      <p:stCondLst>
+                        <p:cond delay="indefinite"/>
+                      </p:stCondLst>
+                      <p:childTnLst>
+                        <p:par>
+                          <p:cTn id="22" fill="hold">
+                            <p:stCondLst>
+                              <p:cond delay="0"/>
+                            </p:stCondLst>
+                            <p:childTnLst>
+                              <p:par>
+                                <p:cTn id="23" presetID="1" presetClass="entr" presetSubtype="0" fill="hold" grpId="0" nodeType="clickEffect">
+                                  <p:stCondLst>
+                                    <p:cond delay="0"/>
+                                  </p:stCondLst>
+                                  <p:childTnLst>
+                                    <p:set>
+                                      <p:cBhvr>
+                                        <p:cTn id="24" dur="1" fill="hold">
+                                          <p:stCondLst>
+                                            <p:cond delay="0"/>
+                                          </p:stCondLst>
+                                        </p:cTn>
+                                        <p:tgtEl>
+                                          <p:spTgt spid="6">
+                                            <p:txEl>
+                                              <p:pRg st="0" end="0"/>
+                                            </p:txEl>
+                                          </p:spTgt>
+                                        </p:tgtEl>
+                                        <p:attrNameLst>
+                                          <p:attrName>style.visibility</p:attrName>
+                                        </p:attrNameLst>
+                                      </p:cBhvr>
+                                      <p:to>
+                                        <p:strVal val="visible"/>
+                                      </p:to>
+                                    </p:set>
+                                  </p:childTnLst>
+                                </p:cTn>
+                              </p:par>
+                              <p:par>
+                                <p:cTn id="25" presetID="1" presetClass="entr" presetSubtype="0" fill="hold" grpId="0" nodeType="withEffect">
+                                  <p:stCondLst>
+                                    <p:cond delay="0"/>
+                                  </p:stCondLst>
+                                  <p:childTnLst>
+                                    <p:set>
+                                      <p:cBhvr>
+                                        <p:cTn id="26" dur="1" fill="hold">
+                                          <p:stCondLst>
+                                            <p:cond delay="0"/>
+                                          </p:stCondLst>
+                                        </p:cTn>
+                                        <p:tgtEl>
+                                          <p:spTgt spid="6">
+                                            <p:txEl>
+                                              <p:pRg st="1" end="1"/>
+                                            </p:txEl>
+                                          </p:spTgt>
+                                        </p:tgtEl>
+                                        <p:attrNameLst>
+                                          <p:attrName>style.visibility</p:attrName>
+                                        </p:attrNameLst>
+                                      </p:cBhvr>
+                                      <p:to>
+                                        <p:strVal val="visible"/>
+                                      </p:to>
+                                    </p:set>
+                                  </p:childTnLst>
+                                </p:cTn>
+                              </p:par>
+                            </p:childTnLst>
+                          </p:cTn>
+                        </p:par>
+                      </p:childTnLst>
+                    </p:cTn>
+                  </p:par>
+                  <p:par>
+                    <p:cTn id="27" fill="hold">
+                      <p:stCondLst>
+                        <p:cond delay="indefinite"/>
+                      </p:stCondLst>
+                      <p:childTnLst>
+                        <p:par>
+                          <p:cTn id="28" fill="hold">
+                            <p:stCondLst>
+                              <p:cond delay="0"/>
+                            </p:stCondLst>
+                            <p:childTnLst>
+                              <p:par>
+                                <p:cTn id="29" presetID="1" presetClass="entr" presetSubtype="0" fill="hold" grpId="0" nodeType="clickEffect">
+                                  <p:stCondLst>
+                                    <p:cond delay="0"/>
+                                  </p:stCondLst>
+                                  <p:childTnLst>
+                                    <p:set>
+                                      <p:cBhvr>
+                                        <p:cTn id="30" dur="1" fill="hold">
+                                          <p:stCondLst>
+                                            <p:cond delay="0"/>
+                                          </p:stCondLst>
+                                        </p:cTn>
+                                        <p:tgtEl>
+                                          <p:spTgt spid="6">
+                                            <p:txEl>
+                                              <p:pRg st="2" end="2"/>
+                                            </p:txEl>
+                                          </p:spTgt>
+                                        </p:tgtEl>
+                                        <p:attrNameLst>
+                                          <p:attrName>style.visibility</p:attrName>
+                                        </p:attrNameLst>
+                                      </p:cBhvr>
+                                      <p:to>
+                                        <p:strVal val="visible"/>
+                                      </p:to>
+                                    </p:set>
+                                  </p:childTnLst>
+                                </p:cTn>
+                              </p:par>
+                              <p:par>
+                                <p:cTn id="31" presetID="1" presetClass="entr" presetSubtype="0" fill="hold" grpId="0" nodeType="withEffect">
+                                  <p:stCondLst>
+                                    <p:cond delay="0"/>
+                                  </p:stCondLst>
+                                  <p:childTnLst>
+                                    <p:set>
+                                      <p:cBhvr>
+                                        <p:cTn id="32" dur="1" fill="hold">
+                                          <p:stCondLst>
+                                            <p:cond delay="0"/>
+                                          </p:stCondLst>
+                                        </p:cTn>
+                                        <p:tgtEl>
+                                          <p:spTgt spid="6">
+                                            <p:txEl>
+                                              <p:pRg st="3" end="3"/>
+                                            </p:txEl>
+                                          </p:spTgt>
+                                        </p:tgtEl>
+                                        <p:attrNameLst>
+                                          <p:attrName>style.visibility</p:attrName>
+                                        </p:attrNameLst>
+                                      </p:cBhvr>
+                                      <p:to>
+                                        <p:strVal val="visible"/>
+                                      </p:to>
+                                    </p:set>
+                                  </p:childTnLst>
+                                </p:cTn>
+                              </p:par>
+                            </p:childTnLst>
+                          </p:cTn>
+                        </p:par>
+                      </p:childTnLst>
+                    </p:cTn>
+                  </p:par>
+                  <p:par>
+                    <p:cTn id="33" fill="hold">
+                      <p:stCondLst>
+                        <p:cond delay="indefinite"/>
+                      </p:stCondLst>
+                      <p:childTnLst>
+                        <p:par>
+                          <p:cTn id="34" fill="hold">
+                            <p:stCondLst>
+                              <p:cond delay="0"/>
+                            </p:stCondLst>
+                            <p:childTnLst>
+                              <p:par>
+                                <p:cTn id="35" presetID="1" presetClass="entr" presetSubtype="0" fill="hold" grpId="0" nodeType="clickEffect">
+                                  <p:stCondLst>
+                                    <p:cond delay="0"/>
+                                  </p:stCondLst>
+                                  <p:childTnLst>
+                                    <p:set>
+                                      <p:cBhvr>
+                                        <p:cTn id="36" dur="1" fill="hold">
+                                          <p:stCondLst>
+                                            <p:cond delay="0"/>
+                                          </p:stCondLst>
+                                        </p:cTn>
+                                        <p:tgtEl>
+                                          <p:spTgt spid="6">
+                                            <p:txEl>
+                                              <p:pRg st="5" end="5"/>
+                                            </p:txEl>
+                                          </p:spTgt>
+                                        </p:tgtEl>
+                                        <p:attrNameLst>
+                                          <p:attrName>style.visibility</p:attrName>
+                                        </p:attrNameLst>
+                                      </p:cBhvr>
+                                      <p:to>
+                                        <p:strVal val="visible"/>
+                                      </p:to>
+                                    </p:set>
+                                  </p:childTnLst>
+                                </p:cTn>
+                              </p:par>
+                              <p:par>
+                                <p:cTn id="37" presetID="1" presetClass="entr" presetSubtype="0" fill="hold" grpId="0" nodeType="withEffect">
+                                  <p:stCondLst>
+                                    <p:cond delay="0"/>
+                                  </p:stCondLst>
+                                  <p:childTnLst>
+                                    <p:set>
+                                      <p:cBhvr>
+                                        <p:cTn id="38" dur="1" fill="hold">
+                                          <p:stCondLst>
+                                            <p:cond delay="0"/>
+                                          </p:stCondLst>
+                                        </p:cTn>
+                                        <p:tgtEl>
+                                          <p:spTgt spid="6">
+                                            <p:txEl>
+                                              <p:pRg st="6" end="6"/>
+                                            </p:txEl>
+                                          </p:spTgt>
+                                        </p:tgtEl>
+                                        <p:attrNameLst>
+                                          <p:attrName>style.visibility</p:attrName>
+                                        </p:attrNameLst>
+                                      </p:cBhvr>
+                                      <p:to>
+                                        <p:strVal val="visible"/>
+                                      </p:to>
+                                    </p:set>
+                                  </p:childTnLst>
+                                </p:cTn>
+                              </p:par>
+                              <p:par>
+                                <p:cTn id="39" presetID="1" presetClass="entr" presetSubtype="0" fill="hold" grpId="0" nodeType="withEffect">
+                                  <p:stCondLst>
+                                    <p:cond delay="0"/>
+                                  </p:stCondLst>
+                                  <p:childTnLst>
+                                    <p:set>
+                                      <p:cBhvr>
+                                        <p:cTn id="40" dur="1" fill="hold">
+                                          <p:stCondLst>
+                                            <p:cond delay="0"/>
+                                          </p:stCondLst>
+                                        </p:cTn>
+                                        <p:tgtEl>
+                                          <p:spTgt spid="6">
+                                            <p:txEl>
+                                              <p:pRg st="7" end="7"/>
+                                            </p:txEl>
+                                          </p:spTgt>
+                                        </p:tgtEl>
+                                        <p:attrNameLst>
+                                          <p:attrName>style.visibility</p:attrName>
+                                        </p:attrNameLst>
+                                      </p:cBhvr>
+                                      <p:to>
+                                        <p:strVal val="visible"/>
+                                      </p:to>
+                                    </p:set>
+                                  </p:childTnLst>
+                                </p:cTn>
+                              </p:par>
+                            </p:childTnLst>
+                          </p:cTn>
+                        </p:par>
+                      </p:childTnLst>
+                    </p:cTn>
+                  </p:par>
+                </p:childTnLst>
+              </p:cTn>
+              <p:prevCondLst>
+                <p:cond evt="onPrev" delay="0">
+                  <p:tgtEl>
+                    <p:sldTgt/>
+                  </p:tgtEl>
+                </p:cond>
+              </p:prevCondLst>
+              <p:nextCondLst>
+                <p:cond evt="onNext" delay="0">
+                  <p:tgtEl>
+                    <p:sldTgt/>
+                  </p:tgtEl>
+                </p:cond>
+              </p:nextCondLst>
+            </p:seq>
+          </p:childTnLst>
+        </p:cTn>
+      </p:par>
+    </p:tnLst>
+    <p:bldLst>
+      <p:bldP spid="3" grpId="0" build="p"/>
+      <p:bldP spid="4" grpId="0" build="p"/>
+      <p:bldP spid="5" grpId="0" build="p"/>
+      <p:bldP spid="6" grpId="0" build="p"/>
+    </p:bldLst>
+  </p:timing>
 </p:sld>
 </file>
 
@@ -17597,7 +17998,7 @@
         </p:spPr>
         <p:txBody>
           <a:bodyPr>
-            <a:normAutofit/>
+            <a:normAutofit lnSpcReduction="10000"/>
           </a:bodyPr>
           <a:lstStyle/>
           <a:p>
@@ -17608,6 +18009,13 @@
             <a:r>
               <a:rPr lang="en-GB" b="1" dirty="0"/>
               <a:t>recreation of Enigma</a:t>
+            </a:r>
+          </a:p>
+          <a:p>
+            <a:pPr lvl="1"/>
+            <a:r>
+              <a:rPr lang="en-GB" dirty="0"/>
+              <a:t>Allow the user to create custom components</a:t>
             </a:r>
           </a:p>
           <a:p>
@@ -17662,9 +18070,6 @@
             <a:pPr marL="0" indent="0">
               <a:buNone/>
             </a:pPr>
-            <a:endParaRPr lang="en-GB" dirty="0"/>
-          </a:p>
-          <a:p>
             <a:endParaRPr lang="en-GB" dirty="0"/>
           </a:p>
         </p:txBody>
@@ -17770,6 +18175,328 @@
   <p:clrMapOvr>
     <a:masterClrMapping/>
   </p:clrMapOvr>
+  <p:timing>
+    <p:tnLst>
+      <p:par>
+        <p:cTn id="1" dur="indefinite" restart="never" nodeType="tmRoot">
+          <p:childTnLst>
+            <p:seq concurrent="1" nextAc="seek">
+              <p:cTn id="2" dur="indefinite" nodeType="mainSeq">
+                <p:childTnLst>
+                  <p:par>
+                    <p:cTn id="3" fill="hold">
+                      <p:stCondLst>
+                        <p:cond delay="indefinite"/>
+                      </p:stCondLst>
+                      <p:childTnLst>
+                        <p:par>
+                          <p:cTn id="4" fill="hold">
+                            <p:stCondLst>
+                              <p:cond delay="0"/>
+                            </p:stCondLst>
+                            <p:childTnLst>
+                              <p:par>
+                                <p:cTn id="5" presetID="1" presetClass="entr" presetSubtype="0" fill="hold" grpId="0" nodeType="clickEffect">
+                                  <p:stCondLst>
+                                    <p:cond delay="0"/>
+                                  </p:stCondLst>
+                                  <p:childTnLst>
+                                    <p:set>
+                                      <p:cBhvr>
+                                        <p:cTn id="6" dur="1" fill="hold">
+                                          <p:stCondLst>
+                                            <p:cond delay="0"/>
+                                          </p:stCondLst>
+                                        </p:cTn>
+                                        <p:tgtEl>
+                                          <p:spTgt spid="15">
+                                            <p:txEl>
+                                              <p:pRg st="0" end="0"/>
+                                            </p:txEl>
+                                          </p:spTgt>
+                                        </p:tgtEl>
+                                        <p:attrNameLst>
+                                          <p:attrName>style.visibility</p:attrName>
+                                        </p:attrNameLst>
+                                      </p:cBhvr>
+                                      <p:to>
+                                        <p:strVal val="visible"/>
+                                      </p:to>
+                                    </p:set>
+                                  </p:childTnLst>
+                                </p:cTn>
+                              </p:par>
+                              <p:par>
+                                <p:cTn id="7" presetID="1" presetClass="entr" presetSubtype="0" fill="hold" grpId="0" nodeType="withEffect">
+                                  <p:stCondLst>
+                                    <p:cond delay="0"/>
+                                  </p:stCondLst>
+                                  <p:childTnLst>
+                                    <p:set>
+                                      <p:cBhvr>
+                                        <p:cTn id="8" dur="1" fill="hold">
+                                          <p:stCondLst>
+                                            <p:cond delay="0"/>
+                                          </p:stCondLst>
+                                        </p:cTn>
+                                        <p:tgtEl>
+                                          <p:spTgt spid="15">
+                                            <p:txEl>
+                                              <p:pRg st="1" end="1"/>
+                                            </p:txEl>
+                                          </p:spTgt>
+                                        </p:tgtEl>
+                                        <p:attrNameLst>
+                                          <p:attrName>style.visibility</p:attrName>
+                                        </p:attrNameLst>
+                                      </p:cBhvr>
+                                      <p:to>
+                                        <p:strVal val="visible"/>
+                                      </p:to>
+                                    </p:set>
+                                  </p:childTnLst>
+                                </p:cTn>
+                              </p:par>
+                            </p:childTnLst>
+                          </p:cTn>
+                        </p:par>
+                      </p:childTnLst>
+                    </p:cTn>
+                  </p:par>
+                  <p:par>
+                    <p:cTn id="9" fill="hold">
+                      <p:stCondLst>
+                        <p:cond delay="indefinite"/>
+                      </p:stCondLst>
+                      <p:childTnLst>
+                        <p:par>
+                          <p:cTn id="10" fill="hold">
+                            <p:stCondLst>
+                              <p:cond delay="0"/>
+                            </p:stCondLst>
+                            <p:childTnLst>
+                              <p:par>
+                                <p:cTn id="11" presetID="1" presetClass="entr" presetSubtype="0" fill="hold" grpId="0" nodeType="clickEffect">
+                                  <p:stCondLst>
+                                    <p:cond delay="0"/>
+                                  </p:stCondLst>
+                                  <p:childTnLst>
+                                    <p:set>
+                                      <p:cBhvr>
+                                        <p:cTn id="12" dur="1" fill="hold">
+                                          <p:stCondLst>
+                                            <p:cond delay="0"/>
+                                          </p:stCondLst>
+                                        </p:cTn>
+                                        <p:tgtEl>
+                                          <p:spTgt spid="15">
+                                            <p:txEl>
+                                              <p:pRg st="2" end="2"/>
+                                            </p:txEl>
+                                          </p:spTgt>
+                                        </p:tgtEl>
+                                        <p:attrNameLst>
+                                          <p:attrName>style.visibility</p:attrName>
+                                        </p:attrNameLst>
+                                      </p:cBhvr>
+                                      <p:to>
+                                        <p:strVal val="visible"/>
+                                      </p:to>
+                                    </p:set>
+                                  </p:childTnLst>
+                                </p:cTn>
+                              </p:par>
+                              <p:par>
+                                <p:cTn id="13" presetID="1" presetClass="entr" presetSubtype="0" fill="hold" grpId="0" nodeType="withEffect">
+                                  <p:stCondLst>
+                                    <p:cond delay="0"/>
+                                  </p:stCondLst>
+                                  <p:childTnLst>
+                                    <p:set>
+                                      <p:cBhvr>
+                                        <p:cTn id="14" dur="1" fill="hold">
+                                          <p:stCondLst>
+                                            <p:cond delay="0"/>
+                                          </p:stCondLst>
+                                        </p:cTn>
+                                        <p:tgtEl>
+                                          <p:spTgt spid="15">
+                                            <p:txEl>
+                                              <p:pRg st="3" end="3"/>
+                                            </p:txEl>
+                                          </p:spTgt>
+                                        </p:tgtEl>
+                                        <p:attrNameLst>
+                                          <p:attrName>style.visibility</p:attrName>
+                                        </p:attrNameLst>
+                                      </p:cBhvr>
+                                      <p:to>
+                                        <p:strVal val="visible"/>
+                                      </p:to>
+                                    </p:set>
+                                  </p:childTnLst>
+                                </p:cTn>
+                              </p:par>
+                            </p:childTnLst>
+                          </p:cTn>
+                        </p:par>
+                      </p:childTnLst>
+                    </p:cTn>
+                  </p:par>
+                  <p:par>
+                    <p:cTn id="15" fill="hold">
+                      <p:stCondLst>
+                        <p:cond delay="indefinite"/>
+                      </p:stCondLst>
+                      <p:childTnLst>
+                        <p:par>
+                          <p:cTn id="16" fill="hold">
+                            <p:stCondLst>
+                              <p:cond delay="0"/>
+                            </p:stCondLst>
+                            <p:childTnLst>
+                              <p:par>
+                                <p:cTn id="17" presetID="1" presetClass="entr" presetSubtype="0" fill="hold" grpId="0" nodeType="clickEffect">
+                                  <p:stCondLst>
+                                    <p:cond delay="0"/>
+                                  </p:stCondLst>
+                                  <p:childTnLst>
+                                    <p:set>
+                                      <p:cBhvr>
+                                        <p:cTn id="18" dur="1" fill="hold">
+                                          <p:stCondLst>
+                                            <p:cond delay="0"/>
+                                          </p:stCondLst>
+                                        </p:cTn>
+                                        <p:tgtEl>
+                                          <p:spTgt spid="15">
+                                            <p:txEl>
+                                              <p:pRg st="4" end="4"/>
+                                            </p:txEl>
+                                          </p:spTgt>
+                                        </p:tgtEl>
+                                        <p:attrNameLst>
+                                          <p:attrName>style.visibility</p:attrName>
+                                        </p:attrNameLst>
+                                      </p:cBhvr>
+                                      <p:to>
+                                        <p:strVal val="visible"/>
+                                      </p:to>
+                                    </p:set>
+                                  </p:childTnLst>
+                                </p:cTn>
+                              </p:par>
+                            </p:childTnLst>
+                          </p:cTn>
+                        </p:par>
+                      </p:childTnLst>
+                    </p:cTn>
+                  </p:par>
+                  <p:par>
+                    <p:cTn id="19" fill="hold">
+                      <p:stCondLst>
+                        <p:cond delay="indefinite"/>
+                      </p:stCondLst>
+                      <p:childTnLst>
+                        <p:par>
+                          <p:cTn id="20" fill="hold">
+                            <p:stCondLst>
+                              <p:cond delay="0"/>
+                            </p:stCondLst>
+                            <p:childTnLst>
+                              <p:par>
+                                <p:cTn id="21" presetID="1" presetClass="entr" presetSubtype="0" fill="hold" grpId="0" nodeType="clickEffect">
+                                  <p:stCondLst>
+                                    <p:cond delay="0"/>
+                                  </p:stCondLst>
+                                  <p:childTnLst>
+                                    <p:set>
+                                      <p:cBhvr>
+                                        <p:cTn id="22" dur="1" fill="hold">
+                                          <p:stCondLst>
+                                            <p:cond delay="0"/>
+                                          </p:stCondLst>
+                                        </p:cTn>
+                                        <p:tgtEl>
+                                          <p:spTgt spid="15">
+                                            <p:txEl>
+                                              <p:pRg st="5" end="5"/>
+                                            </p:txEl>
+                                          </p:spTgt>
+                                        </p:tgtEl>
+                                        <p:attrNameLst>
+                                          <p:attrName>style.visibility</p:attrName>
+                                        </p:attrNameLst>
+                                      </p:cBhvr>
+                                      <p:to>
+                                        <p:strVal val="visible"/>
+                                      </p:to>
+                                    </p:set>
+                                  </p:childTnLst>
+                                </p:cTn>
+                              </p:par>
+                              <p:par>
+                                <p:cTn id="23" presetID="1" presetClass="entr" presetSubtype="0" fill="hold" grpId="0" nodeType="withEffect">
+                                  <p:stCondLst>
+                                    <p:cond delay="0"/>
+                                  </p:stCondLst>
+                                  <p:childTnLst>
+                                    <p:set>
+                                      <p:cBhvr>
+                                        <p:cTn id="24" dur="1" fill="hold">
+                                          <p:stCondLst>
+                                            <p:cond delay="0"/>
+                                          </p:stCondLst>
+                                        </p:cTn>
+                                        <p:tgtEl>
+                                          <p:spTgt spid="15">
+                                            <p:txEl>
+                                              <p:pRg st="6" end="6"/>
+                                            </p:txEl>
+                                          </p:spTgt>
+                                        </p:tgtEl>
+                                        <p:attrNameLst>
+                                          <p:attrName>style.visibility</p:attrName>
+                                        </p:attrNameLst>
+                                      </p:cBhvr>
+                                      <p:to>
+                                        <p:strVal val="visible"/>
+                                      </p:to>
+                                    </p:set>
+                                  </p:childTnLst>
+                                </p:cTn>
+                              </p:par>
+                            </p:childTnLst>
+                          </p:cTn>
+                        </p:par>
+                      </p:childTnLst>
+                    </p:cTn>
+                  </p:par>
+                </p:childTnLst>
+              </p:cTn>
+              <p:prevCondLst>
+                <p:cond evt="onPrev" delay="0">
+                  <p:tgtEl>
+                    <p:sldTgt/>
+                  </p:tgtEl>
+                </p:cond>
+              </p:prevCondLst>
+              <p:nextCondLst>
+                <p:cond evt="onNext" delay="0">
+                  <p:tgtEl>
+                    <p:sldTgt/>
+                  </p:tgtEl>
+                </p:cond>
+              </p:nextCondLst>
+            </p:seq>
+          </p:childTnLst>
+        </p:cTn>
+      </p:par>
+    </p:tnLst>
+    <p:bldLst>
+      <p:bldP spid="15" grpId="0" build="p"/>
+    </p:bldLst>
+  </p:timing>
 </p:sld>
 </file>
 
@@ -17815,6 +18542,13 @@
             <a:r>
               <a:rPr lang="en-GB" dirty="0"/>
               <a:t>Let's use Enigma!</a:t>
+            </a:r>
+            <a:br>
+              <a:rPr lang="en-GB" dirty="0"/>
+            </a:br>
+            <a:r>
+              <a:rPr lang="en-GB" sz="3200" dirty="0"/>
+              <a:t>(Live Demo)</a:t>
             </a:r>
           </a:p>
         </p:txBody>
